--- a/lectures/Проектное управление 2.pptx
+++ b/lectures/Проектное управление 2.pptx
@@ -7,30 +7,31 @@
   <p:sldIdLst>
     <p:sldId id="256" r:id="rId2"/>
     <p:sldId id="257" r:id="rId3"/>
-    <p:sldId id="258" r:id="rId4"/>
-    <p:sldId id="260" r:id="rId5"/>
-    <p:sldId id="263" r:id="rId6"/>
-    <p:sldId id="261" r:id="rId7"/>
-    <p:sldId id="264" r:id="rId8"/>
-    <p:sldId id="265" r:id="rId9"/>
-    <p:sldId id="267" r:id="rId10"/>
-    <p:sldId id="269" r:id="rId11"/>
-    <p:sldId id="270" r:id="rId12"/>
-    <p:sldId id="271" r:id="rId13"/>
-    <p:sldId id="272" r:id="rId14"/>
-    <p:sldId id="273" r:id="rId15"/>
-    <p:sldId id="274" r:id="rId16"/>
-    <p:sldId id="275" r:id="rId17"/>
-    <p:sldId id="276" r:id="rId18"/>
-    <p:sldId id="277" r:id="rId19"/>
-    <p:sldId id="278" r:id="rId20"/>
-    <p:sldId id="279" r:id="rId21"/>
-    <p:sldId id="280" r:id="rId22"/>
-    <p:sldId id="281" r:id="rId23"/>
-    <p:sldId id="282" r:id="rId24"/>
-    <p:sldId id="283" r:id="rId25"/>
-    <p:sldId id="284" r:id="rId26"/>
-    <p:sldId id="285" r:id="rId27"/>
+    <p:sldId id="286" r:id="rId4"/>
+    <p:sldId id="258" r:id="rId5"/>
+    <p:sldId id="260" r:id="rId6"/>
+    <p:sldId id="263" r:id="rId7"/>
+    <p:sldId id="261" r:id="rId8"/>
+    <p:sldId id="264" r:id="rId9"/>
+    <p:sldId id="265" r:id="rId10"/>
+    <p:sldId id="267" r:id="rId11"/>
+    <p:sldId id="269" r:id="rId12"/>
+    <p:sldId id="270" r:id="rId13"/>
+    <p:sldId id="271" r:id="rId14"/>
+    <p:sldId id="272" r:id="rId15"/>
+    <p:sldId id="273" r:id="rId16"/>
+    <p:sldId id="274" r:id="rId17"/>
+    <p:sldId id="275" r:id="rId18"/>
+    <p:sldId id="276" r:id="rId19"/>
+    <p:sldId id="277" r:id="rId20"/>
+    <p:sldId id="278" r:id="rId21"/>
+    <p:sldId id="279" r:id="rId22"/>
+    <p:sldId id="280" r:id="rId23"/>
+    <p:sldId id="281" r:id="rId24"/>
+    <p:sldId id="282" r:id="rId25"/>
+    <p:sldId id="283" r:id="rId26"/>
+    <p:sldId id="284" r:id="rId27"/>
+    <p:sldId id="285" r:id="rId28"/>
   </p:sldIdLst>
   <p:sldSz cx="12192000" cy="6858000"/>
   <p:notesSz cx="6858000" cy="9144000"/>
@@ -3467,145 +3468,66 @@
           <a:lstStyle/>
           <a:p>
             <a:r>
-              <a:rPr lang="en-US" dirty="0" err="1"/>
-              <a:t>Time&amp;Material</a:t>
-            </a:r>
+              <a:rPr lang="en-US" dirty="0"/>
+              <a:t>Fixed Price</a:t>
+            </a:r>
+            <a:r>
+              <a:rPr lang="ru-RU" dirty="0"/>
+              <a:t> (предложите идеи)</a:t>
+            </a:r>
+          </a:p>
+        </p:txBody>
+      </p:sp>
+      <p:sp>
+        <p:nvSpPr>
+          <p:cNvPr id="7" name="AutoShape 8" descr="🇰🇬барабанная дробь on X: &quot;КРЕМНИЕВАЯ ДОЛИНААААА #S5E1&quot; / X">
+            <a:extLst>
+              <a:ext uri="{FF2B5EF4-FFF2-40B4-BE49-F238E27FC236}">
+                <a16:creationId xmlns:a16="http://schemas.microsoft.com/office/drawing/2014/main" id="{F2150161-4A4C-DE20-1B72-60790DDF08A1}"/>
+              </a:ext>
+            </a:extLst>
+          </p:cNvPr>
+          <p:cNvSpPr>
+            <a:spLocks noGrp="1" noChangeAspect="1" noChangeArrowheads="1"/>
+          </p:cNvSpPr>
+          <p:nvPr>
+            <p:ph idx="1"/>
+          </p:nvPr>
+        </p:nvSpPr>
+        <p:spPr bwMode="auto">
+          <a:prstGeom prst="rect">
+            <a:avLst/>
+          </a:prstGeom>
+          <a:noFill/>
+          <a:extLst>
+            <a:ext uri="{909E8E84-426E-40DD-AFC4-6F175D3DCCD1}">
+              <a14:hiddenFill xmlns:a14="http://schemas.microsoft.com/office/drawing/2010/main">
+                <a:solidFill>
+                  <a:srgbClr val="FFFFFF"/>
+                </a:solidFill>
+              </a14:hiddenFill>
+            </a:ext>
+          </a:extLst>
+        </p:spPr>
+        <p:txBody>
+          <a:bodyPr vert="horz" wrap="square" lIns="91440" tIns="45720" rIns="91440" bIns="45720" numCol="1" anchor="t" anchorCtr="0" compatLnSpc="1">
+            <a:prstTxWarp prst="textNoShape">
+              <a:avLst/>
+            </a:prstTxWarp>
+          </a:bodyPr>
+          <a:lstStyle/>
+          <a:p>
+            <a:pPr marL="0" indent="0" algn="ctr">
+              <a:buNone/>
+            </a:pPr>
             <a:endParaRPr lang="ru-RU" dirty="0"/>
-          </a:p>
-        </p:txBody>
-      </p:sp>
-      <p:sp>
-        <p:nvSpPr>
-          <p:cNvPr id="3" name="Объект 2">
-            <a:extLst>
-              <a:ext uri="{FF2B5EF4-FFF2-40B4-BE49-F238E27FC236}">
-                <a16:creationId xmlns:a16="http://schemas.microsoft.com/office/drawing/2014/main" id="{0CCC7D2F-3711-2152-69C5-828B72059726}"/>
-              </a:ext>
-            </a:extLst>
-          </p:cNvPr>
-          <p:cNvSpPr>
-            <a:spLocks noGrp="1"/>
-          </p:cNvSpPr>
-          <p:nvPr>
-            <p:ph idx="1"/>
-          </p:nvPr>
-        </p:nvSpPr>
-        <p:spPr/>
-        <p:txBody>
-          <a:bodyPr>
-            <a:normAutofit/>
-          </a:bodyPr>
-          <a:lstStyle/>
-          <a:p>
-            <a:pPr marL="514350" indent="-514350">
-              <a:buFont typeface="+mj-lt"/>
-              <a:buAutoNum type="arabicPeriod"/>
-            </a:pPr>
-            <a:r>
-              <a:rPr lang="ru-RU" dirty="0"/>
-              <a:t>Оплата по факту выполненных работ (часы</a:t>
-            </a:r>
-            <a:r>
-              <a:rPr lang="en-US" dirty="0"/>
-              <a:t>, </a:t>
-            </a:r>
-            <a:r>
-              <a:rPr lang="ru-RU" dirty="0"/>
-              <a:t>дни</a:t>
-            </a:r>
-            <a:r>
-              <a:rPr lang="en-US" dirty="0"/>
-              <a:t>, …) </a:t>
-            </a:r>
-            <a:r>
-              <a:rPr lang="ru-RU" dirty="0"/>
-              <a:t>и использованных материалов</a:t>
-            </a:r>
-          </a:p>
-          <a:p>
-            <a:pPr marL="514350" indent="-514350">
-              <a:buFont typeface="+mj-lt"/>
-              <a:buAutoNum type="arabicPeriod"/>
-            </a:pPr>
-            <a:r>
-              <a:rPr lang="ru-RU" dirty="0"/>
-              <a:t>Гибкость</a:t>
-            </a:r>
-            <a:r>
-              <a:rPr lang="en-US" dirty="0"/>
-              <a:t> – </a:t>
-            </a:r>
-            <a:r>
-              <a:rPr lang="ru-RU" dirty="0"/>
-              <a:t>можно вносить изменения по ходу проекта</a:t>
-            </a:r>
-          </a:p>
-          <a:p>
-            <a:pPr marL="514350" indent="-514350">
-              <a:buFont typeface="+mj-lt"/>
-              <a:buAutoNum type="arabicPeriod"/>
-            </a:pPr>
-            <a:endParaRPr lang="ru-RU" dirty="0"/>
-          </a:p>
-          <a:p>
-            <a:pPr marL="0" indent="0">
-              <a:buNone/>
-            </a:pPr>
-            <a:r>
-              <a:rPr lang="ru-RU" dirty="0"/>
-              <a:t>Когда применять</a:t>
-            </a:r>
-            <a:r>
-              <a:rPr lang="en-US" dirty="0"/>
-              <a:t>?</a:t>
-            </a:r>
-          </a:p>
-          <a:p>
-            <a:pPr marL="514350" indent="-514350">
-              <a:buFont typeface="+mj-lt"/>
-              <a:buAutoNum type="arabicPeriod"/>
-            </a:pPr>
-            <a:r>
-              <a:rPr lang="ru-RU" dirty="0"/>
-              <a:t>Точный объем работ заранее неизвестен</a:t>
-            </a:r>
-          </a:p>
-          <a:p>
-            <a:pPr marL="514350" indent="-514350">
-              <a:buFont typeface="+mj-lt"/>
-              <a:buAutoNum type="arabicPeriod"/>
-            </a:pPr>
-            <a:r>
-              <a:rPr lang="ru-RU" dirty="0"/>
-              <a:t>Требования меняются и проект сложный</a:t>
-            </a:r>
-            <a:r>
-              <a:rPr lang="en-US" dirty="0"/>
-              <a:t>/</a:t>
-            </a:r>
-            <a:r>
-              <a:rPr lang="ru-RU" dirty="0" err="1"/>
-              <a:t>иновационный</a:t>
-            </a:r>
-            <a:r>
-              <a:rPr lang="ru-RU" dirty="0"/>
-              <a:t> </a:t>
-            </a:r>
-            <a:endParaRPr lang="en-US" dirty="0"/>
-          </a:p>
-          <a:p>
-            <a:pPr marL="514350" indent="-514350">
-              <a:buFont typeface="+mj-lt"/>
-              <a:buAutoNum type="arabicPeriod"/>
-            </a:pPr>
-            <a:endParaRPr lang="en-US" dirty="0"/>
           </a:p>
         </p:txBody>
       </p:sp>
     </p:spTree>
     <p:extLst>
       <p:ext uri="{BB962C8B-B14F-4D97-AF65-F5344CB8AC3E}">
-        <p14:creationId xmlns:p14="http://schemas.microsoft.com/office/powerpoint/2010/main" val="2440822598"/>
+        <p14:creationId xmlns:p14="http://schemas.microsoft.com/office/powerpoint/2010/main" val="283680889"/>
       </p:ext>
     </p:extLst>
   </p:cSld>
@@ -3657,10 +3579,7 @@
               <a:rPr lang="en-US" dirty="0" err="1"/>
               <a:t>Time&amp;Material</a:t>
             </a:r>
-            <a:r>
-              <a:rPr lang="ru-RU" dirty="0"/>
-              <a:t> (Предложите идеи)</a:t>
-            </a:r>
+            <a:endParaRPr lang="ru-RU" dirty="0"/>
           </a:p>
         </p:txBody>
       </p:sp>
@@ -3687,12 +3606,13 @@
           </a:bodyPr>
           <a:lstStyle/>
           <a:p>
-            <a:pPr marL="0" indent="0" algn="ctr">
-              <a:buNone/>
-            </a:pPr>
-            <a:r>
-              <a:rPr lang="ru-RU" dirty="0"/>
-              <a:t>(тут должна была быть фотография барабанов</a:t>
+            <a:pPr marL="514350" indent="-514350">
+              <a:buFont typeface="+mj-lt"/>
+              <a:buAutoNum type="arabicPeriod"/>
+            </a:pPr>
+            <a:r>
+              <a:rPr lang="ru-RU" dirty="0"/>
+              <a:t>Оплата по факту выполненных работ (часы</a:t>
             </a:r>
             <a:r>
               <a:rPr lang="en-US" dirty="0"/>
@@ -3700,32 +3620,92 @@
             </a:r>
             <a:r>
               <a:rPr lang="ru-RU" dirty="0"/>
-              <a:t>но </a:t>
-            </a:r>
-            <a:r>
-              <a:rPr lang="en-US" dirty="0" err="1"/>
-              <a:t>powerpoint</a:t>
-            </a:r>
-            <a:r>
-              <a:rPr lang="en-US" dirty="0"/>
+              <a:t>дни</a:t>
+            </a:r>
+            <a:r>
+              <a:rPr lang="en-US" dirty="0"/>
+              <a:t>, …) </a:t>
+            </a:r>
+            <a:r>
+              <a:rPr lang="ru-RU" dirty="0"/>
+              <a:t>и использованных материалов</a:t>
+            </a:r>
+          </a:p>
+          <a:p>
+            <a:pPr marL="514350" indent="-514350">
+              <a:buFont typeface="+mj-lt"/>
+              <a:buAutoNum type="arabicPeriod"/>
+            </a:pPr>
+            <a:r>
+              <a:rPr lang="ru-RU" dirty="0"/>
+              <a:t>Гибкость</a:t>
+            </a:r>
+            <a:r>
+              <a:rPr lang="en-US" dirty="0"/>
+              <a:t> – </a:t>
+            </a:r>
+            <a:r>
+              <a:rPr lang="ru-RU" dirty="0"/>
+              <a:t>можно вносить изменения по ходу проекта</a:t>
+            </a:r>
+          </a:p>
+          <a:p>
+            <a:pPr marL="514350" indent="-514350">
+              <a:buFont typeface="+mj-lt"/>
+              <a:buAutoNum type="arabicPeriod"/>
+            </a:pPr>
+            <a:endParaRPr lang="ru-RU" dirty="0"/>
+          </a:p>
+          <a:p>
+            <a:pPr marL="0" indent="0">
+              <a:buNone/>
+            </a:pPr>
+            <a:r>
+              <a:rPr lang="ru-RU" dirty="0"/>
+              <a:t>Когда применять</a:t>
+            </a:r>
+            <a:r>
+              <a:rPr lang="en-US" dirty="0"/>
+              <a:t>?</a:t>
+            </a:r>
+          </a:p>
+          <a:p>
+            <a:pPr marL="514350" indent="-514350">
+              <a:buFont typeface="+mj-lt"/>
+              <a:buAutoNum type="arabicPeriod"/>
+            </a:pPr>
+            <a:r>
+              <a:rPr lang="ru-RU" dirty="0"/>
+              <a:t>Точный объем работ заранее неизвестен</a:t>
+            </a:r>
+          </a:p>
+          <a:p>
+            <a:pPr marL="514350" indent="-514350">
+              <a:buFont typeface="+mj-lt"/>
+              <a:buAutoNum type="arabicPeriod"/>
+            </a:pPr>
+            <a:r>
+              <a:rPr lang="ru-RU" dirty="0"/>
+              <a:t>Требования меняются и проект сложный</a:t>
+            </a:r>
+            <a:r>
+              <a:rPr lang="en-US" dirty="0"/>
+              <a:t>/</a:t>
+            </a:r>
+            <a:r>
+              <a:rPr lang="ru-RU" dirty="0" err="1"/>
+              <a:t>иновационный</a:t>
+            </a:r>
+            <a:r>
+              <a:rPr lang="ru-RU" dirty="0"/>
               <a:t> </a:t>
             </a:r>
-            <a:r>
-              <a:rPr lang="ru-RU" dirty="0"/>
-              <a:t>дико </a:t>
-            </a:r>
-            <a:r>
-              <a:rPr lang="ru-RU" dirty="0" err="1"/>
-              <a:t>лагает</a:t>
-            </a:r>
-            <a:r>
-              <a:rPr lang="ru-RU" dirty="0"/>
-              <a:t> от этого)</a:t>
-            </a:r>
-          </a:p>
-          <a:p>
-            <a:pPr marL="0" indent="0">
-              <a:buNone/>
+            <a:endParaRPr lang="en-US" dirty="0"/>
+          </a:p>
+          <a:p>
+            <a:pPr marL="514350" indent="-514350">
+              <a:buFont typeface="+mj-lt"/>
+              <a:buAutoNum type="arabicPeriod"/>
             </a:pPr>
             <a:endParaRPr lang="en-US" dirty="0"/>
           </a:p>
@@ -3734,7 +3714,7 @@
     </p:spTree>
     <p:extLst>
       <p:ext uri="{BB962C8B-B14F-4D97-AF65-F5344CB8AC3E}">
-        <p14:creationId xmlns:p14="http://schemas.microsoft.com/office/powerpoint/2010/main" val="481091309"/>
+        <p14:creationId xmlns:p14="http://schemas.microsoft.com/office/powerpoint/2010/main" val="2440822598"/>
       </p:ext>
     </p:extLst>
   </p:cSld>
@@ -3783,12 +3763,12 @@
           <a:lstStyle/>
           <a:p>
             <a:r>
-              <a:rPr lang="en-US" dirty="0"/>
-              <a:t>Agile-</a:t>
-            </a:r>
-            <a:r>
-              <a:rPr lang="ru-RU" dirty="0"/>
-              <a:t>бюджеты</a:t>
+              <a:rPr lang="en-US" dirty="0" err="1"/>
+              <a:t>Time&amp;Material</a:t>
+            </a:r>
+            <a:r>
+              <a:rPr lang="ru-RU" dirty="0"/>
+              <a:t> (Предложите идеи)</a:t>
             </a:r>
           </a:p>
         </p:txBody>
@@ -3816,95 +3796,9 @@
           </a:bodyPr>
           <a:lstStyle/>
           <a:p>
-            <a:pPr marL="514350" indent="-514350">
-              <a:buFont typeface="+mj-lt"/>
-              <a:buAutoNum type="arabicPeriod"/>
-            </a:pPr>
-            <a:r>
-              <a:rPr lang="ru-RU" dirty="0"/>
-              <a:t>Бюджет формируется из множества маленьких этапов</a:t>
-            </a:r>
-          </a:p>
-          <a:p>
-            <a:pPr marL="514350" indent="-514350">
-              <a:buFont typeface="+mj-lt"/>
-              <a:buAutoNum type="arabicPeriod"/>
-            </a:pPr>
-            <a:r>
-              <a:rPr lang="ru-RU" dirty="0"/>
-              <a:t>Заказчик оплачивает за результат небольших спринтов</a:t>
-            </a:r>
-            <a:r>
-              <a:rPr lang="en-US" dirty="0"/>
-              <a:t>, </a:t>
-            </a:r>
-            <a:r>
-              <a:rPr lang="ru-RU" dirty="0"/>
-              <a:t>этапов</a:t>
-            </a:r>
-            <a:r>
-              <a:rPr lang="en-US" dirty="0"/>
-              <a:t>, </a:t>
-            </a:r>
-            <a:r>
-              <a:rPr lang="ru-RU" dirty="0"/>
-              <a:t>содержит продуктовую команду</a:t>
-            </a:r>
-          </a:p>
-          <a:p>
             <a:pPr marL="0" indent="0">
               <a:buNone/>
             </a:pPr>
-            <a:endParaRPr lang="ru-RU" dirty="0"/>
-          </a:p>
-          <a:p>
-            <a:pPr marL="0" indent="0">
-              <a:buNone/>
-            </a:pPr>
-            <a:r>
-              <a:rPr lang="ru-RU" dirty="0"/>
-              <a:t>Когда применять</a:t>
-            </a:r>
-            <a:r>
-              <a:rPr lang="en-US" dirty="0"/>
-              <a:t>?</a:t>
-            </a:r>
-          </a:p>
-          <a:p>
-            <a:pPr marL="514350" indent="-514350">
-              <a:buFont typeface="+mj-lt"/>
-              <a:buAutoNum type="arabicPeriod"/>
-            </a:pPr>
-            <a:r>
-              <a:rPr lang="ru-RU" dirty="0"/>
-              <a:t>В стартапах</a:t>
-            </a:r>
-            <a:r>
-              <a:rPr lang="en-US" dirty="0"/>
-              <a:t>/</a:t>
-            </a:r>
-            <a:r>
-              <a:rPr lang="ru-RU" dirty="0"/>
-              <a:t>проектах где проверяются гипотезы</a:t>
-            </a:r>
-          </a:p>
-          <a:p>
-            <a:pPr marL="514350" indent="-514350">
-              <a:buFont typeface="+mj-lt"/>
-              <a:buAutoNum type="arabicPeriod"/>
-            </a:pPr>
-            <a:r>
-              <a:rPr lang="ru-RU" dirty="0"/>
-              <a:t>В долгосрочных (или продуктовых) проектах</a:t>
-            </a:r>
-            <a:r>
-              <a:rPr lang="en-US" dirty="0"/>
-              <a:t>, </a:t>
-            </a:r>
-            <a:r>
-              <a:rPr lang="ru-RU" dirty="0"/>
-              <a:t>где финальная стоимость точно неизвестна</a:t>
-            </a:r>
             <a:endParaRPr lang="en-US" dirty="0"/>
           </a:p>
         </p:txBody>
@@ -3912,7 +3806,7 @@
     </p:spTree>
     <p:extLst>
       <p:ext uri="{BB962C8B-B14F-4D97-AF65-F5344CB8AC3E}">
-        <p14:creationId xmlns:p14="http://schemas.microsoft.com/office/powerpoint/2010/main" val="1760073318"/>
+        <p14:creationId xmlns:p14="http://schemas.microsoft.com/office/powerpoint/2010/main" val="481091309"/>
       </p:ext>
     </p:extLst>
   </p:cSld>
@@ -3966,7 +3860,7 @@
             </a:r>
             <a:r>
               <a:rPr lang="ru-RU" dirty="0"/>
-              <a:t>бюджеты (Предложите идеи)</a:t>
+              <a:t>бюджеты</a:t>
             </a:r>
           </a:p>
         </p:txBody>
@@ -3994,12 +3888,23 @@
           </a:bodyPr>
           <a:lstStyle/>
           <a:p>
-            <a:pPr marL="0" indent="0" algn="ctr">
-              <a:buNone/>
-            </a:pPr>
-            <a:r>
-              <a:rPr lang="ru-RU" dirty="0"/>
-              <a:t>(тут должна была быть фотография барабанов</a:t>
+            <a:pPr marL="514350" indent="-514350">
+              <a:buFont typeface="+mj-lt"/>
+              <a:buAutoNum type="arabicPeriod"/>
+            </a:pPr>
+            <a:r>
+              <a:rPr lang="ru-RU" dirty="0"/>
+              <a:t>Бюджет формируется из множества маленьких этапов</a:t>
+            </a:r>
+          </a:p>
+          <a:p>
+            <a:pPr marL="514350" indent="-514350">
+              <a:buFont typeface="+mj-lt"/>
+              <a:buAutoNum type="arabicPeriod"/>
+            </a:pPr>
+            <a:r>
+              <a:rPr lang="ru-RU" dirty="0"/>
+              <a:t>Заказчик оплачивает за результат небольших спринтов</a:t>
             </a:r>
             <a:r>
               <a:rPr lang="en-US" dirty="0"/>
@@ -4007,33 +3912,71 @@
             </a:r>
             <a:r>
               <a:rPr lang="ru-RU" dirty="0"/>
-              <a:t>но </a:t>
-            </a:r>
-            <a:r>
-              <a:rPr lang="en-US" dirty="0" err="1"/>
-              <a:t>powerpoint</a:t>
-            </a:r>
-            <a:r>
-              <a:rPr lang="en-US" dirty="0"/>
-              <a:t> </a:t>
-            </a:r>
-            <a:r>
-              <a:rPr lang="ru-RU" dirty="0"/>
-              <a:t>дико </a:t>
-            </a:r>
-            <a:r>
-              <a:rPr lang="ru-RU" dirty="0" err="1"/>
-              <a:t>лагает</a:t>
-            </a:r>
-            <a:r>
-              <a:rPr lang="ru-RU" dirty="0"/>
-              <a:t> от этого)</a:t>
-            </a:r>
-          </a:p>
-          <a:p>
-            <a:pPr marL="0" indent="0" algn="ctr">
-              <a:buNone/>
-            </a:pPr>
+              <a:t>этапов</a:t>
+            </a:r>
+            <a:r>
+              <a:rPr lang="en-US" dirty="0"/>
+              <a:t>, </a:t>
+            </a:r>
+            <a:r>
+              <a:rPr lang="ru-RU" dirty="0"/>
+              <a:t>содержит продуктовую команду</a:t>
+            </a:r>
+          </a:p>
+          <a:p>
+            <a:pPr marL="0" indent="0">
+              <a:buNone/>
+            </a:pPr>
+            <a:endParaRPr lang="ru-RU" dirty="0"/>
+          </a:p>
+          <a:p>
+            <a:pPr marL="0" indent="0">
+              <a:buNone/>
+            </a:pPr>
+            <a:r>
+              <a:rPr lang="ru-RU" dirty="0"/>
+              <a:t>Когда применять</a:t>
+            </a:r>
+            <a:r>
+              <a:rPr lang="en-US" dirty="0"/>
+              <a:t>?</a:t>
+            </a:r>
+          </a:p>
+          <a:p>
+            <a:pPr marL="514350" indent="-514350">
+              <a:buFont typeface="+mj-lt"/>
+              <a:buAutoNum type="arabicPeriod"/>
+            </a:pPr>
+            <a:r>
+              <a:rPr lang="ru-RU" dirty="0"/>
+              <a:t>В стартапах</a:t>
+            </a:r>
+            <a:r>
+              <a:rPr lang="en-US" dirty="0"/>
+              <a:t>/</a:t>
+            </a:r>
+            <a:r>
+              <a:rPr lang="ru-RU" dirty="0"/>
+              <a:t>проектах где проверяются гипотезы</a:t>
+            </a:r>
+          </a:p>
+          <a:p>
+            <a:pPr marL="514350" indent="-514350">
+              <a:buFont typeface="+mj-lt"/>
+              <a:buAutoNum type="arabicPeriod"/>
+            </a:pPr>
+            <a:r>
+              <a:rPr lang="ru-RU" dirty="0"/>
+              <a:t>В долгосрочных (или продуктовых) проектах</a:t>
+            </a:r>
+            <a:r>
+              <a:rPr lang="en-US" dirty="0"/>
+              <a:t>, </a:t>
+            </a:r>
+            <a:r>
+              <a:rPr lang="ru-RU" dirty="0"/>
+              <a:t>где финальная стоимость точно неизвестна</a:t>
+            </a:r>
             <a:endParaRPr lang="en-US" dirty="0"/>
           </a:p>
         </p:txBody>
@@ -4041,7 +3984,7 @@
     </p:spTree>
     <p:extLst>
       <p:ext uri="{BB962C8B-B14F-4D97-AF65-F5344CB8AC3E}">
-        <p14:creationId xmlns:p14="http://schemas.microsoft.com/office/powerpoint/2010/main" val="666413593"/>
+        <p14:creationId xmlns:p14="http://schemas.microsoft.com/office/powerpoint/2010/main" val="1760073318"/>
       </p:ext>
     </p:extLst>
   </p:cSld>
@@ -4090,6 +4033,135 @@
           <a:lstStyle/>
           <a:p>
             <a:r>
+              <a:rPr lang="en-US" dirty="0"/>
+              <a:t>Agile-</a:t>
+            </a:r>
+            <a:r>
+              <a:rPr lang="ru-RU" dirty="0"/>
+              <a:t>бюджеты (Предложите идеи)</a:t>
+            </a:r>
+          </a:p>
+        </p:txBody>
+      </p:sp>
+      <p:sp>
+        <p:nvSpPr>
+          <p:cNvPr id="3" name="Объект 2">
+            <a:extLst>
+              <a:ext uri="{FF2B5EF4-FFF2-40B4-BE49-F238E27FC236}">
+                <a16:creationId xmlns:a16="http://schemas.microsoft.com/office/drawing/2014/main" id="{0CCC7D2F-3711-2152-69C5-828B72059726}"/>
+              </a:ext>
+            </a:extLst>
+          </p:cNvPr>
+          <p:cNvSpPr>
+            <a:spLocks noGrp="1"/>
+          </p:cNvSpPr>
+          <p:nvPr>
+            <p:ph idx="1"/>
+          </p:nvPr>
+        </p:nvSpPr>
+        <p:spPr/>
+        <p:txBody>
+          <a:bodyPr>
+            <a:normAutofit/>
+          </a:bodyPr>
+          <a:lstStyle/>
+          <a:p>
+            <a:pPr marL="0" indent="0" algn="ctr">
+              <a:buNone/>
+            </a:pPr>
+            <a:r>
+              <a:rPr lang="ru-RU" dirty="0"/>
+              <a:t>(тут должна была быть фотография барабанов</a:t>
+            </a:r>
+            <a:r>
+              <a:rPr lang="en-US" dirty="0"/>
+              <a:t>, </a:t>
+            </a:r>
+            <a:r>
+              <a:rPr lang="ru-RU" dirty="0"/>
+              <a:t>но </a:t>
+            </a:r>
+            <a:r>
+              <a:rPr lang="en-US" dirty="0" err="1"/>
+              <a:t>powerpoint</a:t>
+            </a:r>
+            <a:r>
+              <a:rPr lang="en-US" dirty="0"/>
+              <a:t> </a:t>
+            </a:r>
+            <a:r>
+              <a:rPr lang="ru-RU" dirty="0"/>
+              <a:t>дико </a:t>
+            </a:r>
+            <a:r>
+              <a:rPr lang="ru-RU" dirty="0" err="1"/>
+              <a:t>лагает</a:t>
+            </a:r>
+            <a:r>
+              <a:rPr lang="ru-RU" dirty="0"/>
+              <a:t> от этого)</a:t>
+            </a:r>
+          </a:p>
+          <a:p>
+            <a:pPr marL="0" indent="0" algn="ctr">
+              <a:buNone/>
+            </a:pPr>
+            <a:endParaRPr lang="en-US" dirty="0"/>
+          </a:p>
+        </p:txBody>
+      </p:sp>
+    </p:spTree>
+    <p:extLst>
+      <p:ext uri="{BB962C8B-B14F-4D97-AF65-F5344CB8AC3E}">
+        <p14:creationId xmlns:p14="http://schemas.microsoft.com/office/powerpoint/2010/main" val="666413593"/>
+      </p:ext>
+    </p:extLst>
+  </p:cSld>
+  <p:clrMapOvr>
+    <a:masterClrMapping/>
+  </p:clrMapOvr>
+</p:sld>
+</file>
+
+<file path=ppt/slides/slide15.xml><?xml version="1.0" encoding="utf-8"?>
+<p:sld xmlns:a="http://schemas.openxmlformats.org/drawingml/2006/main" xmlns:r="http://schemas.openxmlformats.org/officeDocument/2006/relationships" xmlns:p="http://schemas.openxmlformats.org/presentationml/2006/main">
+  <p:cSld>
+    <p:spTree>
+      <p:nvGrpSpPr>
+        <p:cNvPr id="1" name=""/>
+        <p:cNvGrpSpPr/>
+        <p:nvPr/>
+      </p:nvGrpSpPr>
+      <p:grpSpPr>
+        <a:xfrm>
+          <a:off x="0" y="0"/>
+          <a:ext cx="0" cy="0"/>
+          <a:chOff x="0" y="0"/>
+          <a:chExt cx="0" cy="0"/>
+        </a:xfrm>
+      </p:grpSpPr>
+      <p:sp>
+        <p:nvSpPr>
+          <p:cNvPr id="2" name="Заголовок 1">
+            <a:extLst>
+              <a:ext uri="{FF2B5EF4-FFF2-40B4-BE49-F238E27FC236}">
+                <a16:creationId xmlns:a16="http://schemas.microsoft.com/office/drawing/2014/main" id="{97182413-DFDF-389F-5697-21D9CF4FB59C}"/>
+              </a:ext>
+            </a:extLst>
+          </p:cNvPr>
+          <p:cNvSpPr>
+            <a:spLocks noGrp="1"/>
+          </p:cNvSpPr>
+          <p:nvPr>
+            <p:ph type="title"/>
+          </p:nvPr>
+        </p:nvSpPr>
+        <p:spPr/>
+        <p:txBody>
+          <a:bodyPr/>
+          <a:lstStyle/>
+          <a:p>
+            <a:r>
               <a:rPr lang="ru-RU" dirty="0"/>
               <a:t>Правило выбора бюджета</a:t>
             </a:r>
@@ -4221,7 +4293,7 @@
 </p:sld>
 </file>
 
-<file path=ppt/slides/slide15.xml><?xml version="1.0" encoding="utf-8"?>
+<file path=ppt/slides/slide16.xml><?xml version="1.0" encoding="utf-8"?>
 <p:sld xmlns:a="http://schemas.openxmlformats.org/drawingml/2006/main" xmlns:r="http://schemas.openxmlformats.org/officeDocument/2006/relationships" xmlns:p="http://schemas.openxmlformats.org/presentationml/2006/main">
   <p:cSld>
     <p:spTree>
@@ -4412,7 +4484,7 @@
 </p:sld>
 </file>
 
-<file path=ppt/slides/slide16.xml><?xml version="1.0" encoding="utf-8"?>
+<file path=ppt/slides/slide17.xml><?xml version="1.0" encoding="utf-8"?>
 <p:sld xmlns:a="http://schemas.openxmlformats.org/drawingml/2006/main" xmlns:r="http://schemas.openxmlformats.org/officeDocument/2006/relationships" xmlns:p="http://schemas.openxmlformats.org/presentationml/2006/main">
   <p:cSld>
     <p:spTree>
@@ -4614,7 +4686,7 @@
 </p:sld>
 </file>
 
-<file path=ppt/slides/slide17.xml><?xml version="1.0" encoding="utf-8"?>
+<file path=ppt/slides/slide18.xml><?xml version="1.0" encoding="utf-8"?>
 <p:sld xmlns:a="http://schemas.openxmlformats.org/drawingml/2006/main" xmlns:r="http://schemas.openxmlformats.org/officeDocument/2006/relationships" xmlns:p="http://schemas.openxmlformats.org/presentationml/2006/main">
   <p:cSld>
     <p:spTree>
@@ -4802,7 +4874,7 @@
 </p:sld>
 </file>
 
-<file path=ppt/slides/slide18.xml><?xml version="1.0" encoding="utf-8"?>
+<file path=ppt/slides/slide19.xml><?xml version="1.0" encoding="utf-8"?>
 <p:sld xmlns:a="http://schemas.openxmlformats.org/drawingml/2006/main" xmlns:r="http://schemas.openxmlformats.org/officeDocument/2006/relationships" xmlns:p="http://schemas.openxmlformats.org/presentationml/2006/main">
   <p:cSld>
     <p:spTree>
@@ -4996,204 +5068,6 @@
 </p:sld>
 </file>
 
-<file path=ppt/slides/slide19.xml><?xml version="1.0" encoding="utf-8"?>
-<p:sld xmlns:a="http://schemas.openxmlformats.org/drawingml/2006/main" xmlns:r="http://schemas.openxmlformats.org/officeDocument/2006/relationships" xmlns:p="http://schemas.openxmlformats.org/presentationml/2006/main">
-  <p:cSld>
-    <p:spTree>
-      <p:nvGrpSpPr>
-        <p:cNvPr id="1" name=""/>
-        <p:cNvGrpSpPr/>
-        <p:nvPr/>
-      </p:nvGrpSpPr>
-      <p:grpSpPr>
-        <a:xfrm>
-          <a:off x="0" y="0"/>
-          <a:ext cx="0" cy="0"/>
-          <a:chOff x="0" y="0"/>
-          <a:chExt cx="0" cy="0"/>
-        </a:xfrm>
-      </p:grpSpPr>
-      <p:sp>
-        <p:nvSpPr>
-          <p:cNvPr id="2" name="Заголовок 1">
-            <a:extLst>
-              <a:ext uri="{FF2B5EF4-FFF2-40B4-BE49-F238E27FC236}">
-                <a16:creationId xmlns:a16="http://schemas.microsoft.com/office/drawing/2014/main" id="{97182413-DFDF-389F-5697-21D9CF4FB59C}"/>
-              </a:ext>
-            </a:extLst>
-          </p:cNvPr>
-          <p:cNvSpPr>
-            <a:spLocks noGrp="1"/>
-          </p:cNvSpPr>
-          <p:nvPr>
-            <p:ph type="title"/>
-          </p:nvPr>
-        </p:nvSpPr>
-        <p:spPr/>
-        <p:txBody>
-          <a:bodyPr/>
-          <a:lstStyle/>
-          <a:p>
-            <a:r>
-              <a:rPr lang="ru-RU" dirty="0"/>
-              <a:t>А зачем мне это</a:t>
-            </a:r>
-            <a:r>
-              <a:rPr lang="en-US" dirty="0"/>
-              <a:t>?</a:t>
-            </a:r>
-            <a:endParaRPr lang="ru-RU" dirty="0"/>
-          </a:p>
-        </p:txBody>
-      </p:sp>
-      <p:sp>
-        <p:nvSpPr>
-          <p:cNvPr id="3" name="Объект 2">
-            <a:extLst>
-              <a:ext uri="{FF2B5EF4-FFF2-40B4-BE49-F238E27FC236}">
-                <a16:creationId xmlns:a16="http://schemas.microsoft.com/office/drawing/2014/main" id="{0CCC7D2F-3711-2152-69C5-828B72059726}"/>
-              </a:ext>
-            </a:extLst>
-          </p:cNvPr>
-          <p:cNvSpPr>
-            <a:spLocks noGrp="1"/>
-          </p:cNvSpPr>
-          <p:nvPr>
-            <p:ph idx="1"/>
-          </p:nvPr>
-        </p:nvSpPr>
-        <p:spPr>
-          <a:xfrm>
-            <a:off x="838200" y="1825625"/>
-            <a:ext cx="10515600" cy="4351338"/>
-          </a:xfrm>
-        </p:spPr>
-        <p:txBody>
-          <a:bodyPr>
-            <a:normAutofit/>
-          </a:bodyPr>
-          <a:lstStyle/>
-          <a:p>
-            <a:pPr marL="0" indent="0">
-              <a:buNone/>
-            </a:pPr>
-            <a:r>
-              <a:rPr lang="ru-RU" dirty="0"/>
-              <a:t>От выбора типа бюджета для проекта зависят следующие вещи</a:t>
-            </a:r>
-            <a:r>
-              <a:rPr lang="en-US" dirty="0"/>
-              <a:t>:</a:t>
-            </a:r>
-          </a:p>
-          <a:p>
-            <a:pPr marL="514350" indent="-514350">
-              <a:buAutoNum type="arabicPeriod"/>
-            </a:pPr>
-            <a:r>
-              <a:rPr lang="ru-RU" dirty="0"/>
-              <a:t>Помогает понять</a:t>
-            </a:r>
-            <a:r>
-              <a:rPr lang="en-US" dirty="0"/>
-              <a:t>, </a:t>
-            </a:r>
-            <a:r>
-              <a:rPr lang="ru-RU" dirty="0"/>
-              <a:t>а сколько денег надо</a:t>
-            </a:r>
-            <a:r>
-              <a:rPr lang="en-US" dirty="0"/>
-              <a:t>?</a:t>
-            </a:r>
-            <a:r>
-              <a:rPr lang="ru-RU" dirty="0"/>
-              <a:t> Или понять</a:t>
-            </a:r>
-            <a:r>
-              <a:rPr lang="en-US" dirty="0"/>
-              <a:t>, </a:t>
-            </a:r>
-            <a:r>
-              <a:rPr lang="ru-RU" dirty="0"/>
-              <a:t>что мы не понимаем сколько денег надо</a:t>
-            </a:r>
-          </a:p>
-          <a:p>
-            <a:pPr marL="514350" indent="-514350">
-              <a:buAutoNum type="arabicPeriod"/>
-            </a:pPr>
-            <a:r>
-              <a:rPr lang="ru-RU" dirty="0"/>
-              <a:t>Упрощает контроль расходов</a:t>
-            </a:r>
-          </a:p>
-          <a:p>
-            <a:pPr marL="514350" indent="-514350">
-              <a:buAutoNum type="arabicPeriod"/>
-            </a:pPr>
-            <a:r>
-              <a:rPr lang="ru-RU" dirty="0"/>
-              <a:t>Все стороны понимают</a:t>
-            </a:r>
-            <a:r>
-              <a:rPr lang="en-US" dirty="0"/>
-              <a:t>, </a:t>
-            </a:r>
-            <a:r>
-              <a:rPr lang="ru-RU" dirty="0"/>
-              <a:t>куда уходят деньги и почему</a:t>
-            </a:r>
-          </a:p>
-          <a:p>
-            <a:pPr marL="514350" indent="-514350">
-              <a:buAutoNum type="arabicPeriod"/>
-            </a:pPr>
-            <a:r>
-              <a:rPr lang="ru-RU" dirty="0"/>
-              <a:t>Понимание</a:t>
-            </a:r>
-            <a:r>
-              <a:rPr lang="en-US" dirty="0"/>
-              <a:t>, </a:t>
-            </a:r>
-            <a:r>
-              <a:rPr lang="ru-RU" dirty="0"/>
-              <a:t>какие риски закладывать в бюджет (например мы понимаем</a:t>
-            </a:r>
-            <a:r>
-              <a:rPr lang="en-US" dirty="0"/>
-              <a:t>, </a:t>
-            </a:r>
-            <a:r>
-              <a:rPr lang="ru-RU" dirty="0"/>
-              <a:t>что не укладываемся по </a:t>
-            </a:r>
-            <a:r>
-              <a:rPr lang="en-US" dirty="0"/>
-              <a:t>Fixed, </a:t>
-            </a:r>
-            <a:r>
-              <a:rPr lang="ru-RU" dirty="0"/>
-              <a:t>значит потеряли доход)</a:t>
-            </a:r>
-            <a:endParaRPr lang="en-US" dirty="0"/>
-          </a:p>
-        </p:txBody>
-      </p:sp>
-    </p:spTree>
-    <p:extLst>
-      <p:ext uri="{BB962C8B-B14F-4D97-AF65-F5344CB8AC3E}">
-        <p14:creationId xmlns:p14="http://schemas.microsoft.com/office/powerpoint/2010/main" val="1956058591"/>
-      </p:ext>
-    </p:extLst>
-  </p:cSld>
-  <p:clrMapOvr>
-    <a:masterClrMapping/>
-  </p:clrMapOvr>
-</p:sld>
-</file>
-
 <file path=ppt/slides/slide2.xml><?xml version="1.0" encoding="utf-8"?>
 <p:sld xmlns:a="http://schemas.openxmlformats.org/drawingml/2006/main" xmlns:r="http://schemas.openxmlformats.org/officeDocument/2006/relationships" xmlns:p="http://schemas.openxmlformats.org/presentationml/2006/main">
   <p:cSld>
@@ -5262,13 +5136,8 @@
           <a:p>
             <a:r>
               <a:rPr lang="ru-RU" dirty="0"/>
-              <a:t>Демонстрация </a:t>
-            </a:r>
-            <a:r>
-              <a:rPr lang="ru-RU"/>
-              <a:t>домашней работы</a:t>
-            </a:r>
-            <a:endParaRPr lang="ru-RU" dirty="0"/>
+              <a:t>Демонстрация домашней работы</a:t>
+            </a:r>
           </a:p>
           <a:p>
             <a:r>
@@ -5343,8 +5212,13 @@
           <a:p>
             <a:r>
               <a:rPr lang="ru-RU" dirty="0"/>
-              <a:t>Предварительный анализ проекта</a:t>
-            </a:r>
+              <a:t>А зачем мне это</a:t>
+            </a:r>
+            <a:r>
+              <a:rPr lang="en-US" dirty="0"/>
+              <a:t>?</a:t>
+            </a:r>
+            <a:endParaRPr lang="ru-RU" dirty="0"/>
           </a:p>
         </p:txBody>
       </p:sp>
@@ -5381,7 +5255,20 @@
             </a:pPr>
             <a:r>
               <a:rPr lang="ru-RU" dirty="0"/>
-              <a:t>Предварительный анализ – это начальный этап проекта</a:t>
+              <a:t>От выбора типа бюджета для проекта зависят следующие вещи</a:t>
+            </a:r>
+            <a:r>
+              <a:rPr lang="en-US" dirty="0"/>
+              <a:t>:</a:t>
+            </a:r>
+          </a:p>
+          <a:p>
+            <a:pPr marL="514350" indent="-514350">
+              <a:buAutoNum type="arabicPeriod"/>
+            </a:pPr>
+            <a:r>
+              <a:rPr lang="ru-RU" dirty="0"/>
+              <a:t>Помогает понять</a:t>
             </a:r>
             <a:r>
               <a:rPr lang="en-US" dirty="0"/>
@@ -5389,7 +5276,15 @@
             </a:r>
             <a:r>
               <a:rPr lang="ru-RU" dirty="0"/>
-              <a:t>когда мы разбираемся</a:t>
+              <a:t>а сколько денег надо</a:t>
+            </a:r>
+            <a:r>
+              <a:rPr lang="en-US" dirty="0"/>
+              <a:t>?</a:t>
+            </a:r>
+            <a:r>
+              <a:rPr lang="ru-RU" dirty="0"/>
+              <a:t> Или понять</a:t>
             </a:r>
             <a:r>
               <a:rPr lang="en-US" dirty="0"/>
@@ -5397,15 +5292,25 @@
             </a:r>
             <a:r>
               <a:rPr lang="ru-RU" dirty="0"/>
-              <a:t>а стоит ли игра</a:t>
-            </a:r>
-            <a:r>
-              <a:rPr lang="en-US" dirty="0"/>
-              <a:t> </a:t>
-            </a:r>
-            <a:r>
-              <a:rPr lang="ru-RU" dirty="0"/>
-              <a:t>того</a:t>
+              <a:t>что мы не понимаем сколько денег надо</a:t>
+            </a:r>
+          </a:p>
+          <a:p>
+            <a:pPr marL="514350" indent="-514350">
+              <a:buAutoNum type="arabicPeriod"/>
+            </a:pPr>
+            <a:r>
+              <a:rPr lang="ru-RU" dirty="0"/>
+              <a:t>Упрощает контроль расходов</a:t>
+            </a:r>
+          </a:p>
+          <a:p>
+            <a:pPr marL="514350" indent="-514350">
+              <a:buAutoNum type="arabicPeriod"/>
+            </a:pPr>
+            <a:r>
+              <a:rPr lang="ru-RU" dirty="0"/>
+              <a:t>Все стороны понимают</a:t>
             </a:r>
             <a:r>
               <a:rPr lang="en-US" dirty="0"/>
@@ -5413,96 +5318,49 @@
             </a:r>
             <a:r>
               <a:rPr lang="ru-RU" dirty="0"/>
-              <a:t>чтобы в нее играть</a:t>
-            </a:r>
-            <a:r>
-              <a:rPr lang="en-US" dirty="0"/>
-              <a:t>?</a:t>
-            </a:r>
-          </a:p>
-          <a:p>
-            <a:pPr marL="0" indent="0">
-              <a:buNone/>
-            </a:pPr>
-            <a:endParaRPr lang="ru-RU" dirty="0"/>
-          </a:p>
-          <a:p>
-            <a:pPr marL="0" indent="0">
-              <a:buNone/>
-            </a:pPr>
-            <a:r>
-              <a:rPr lang="ru-RU" dirty="0"/>
-              <a:t>Тут отвечаем на важные вопросы</a:t>
-            </a:r>
-            <a:r>
-              <a:rPr lang="en-US" dirty="0"/>
-              <a:t>:</a:t>
+              <a:t>куда уходят деньги и почему</a:t>
             </a:r>
           </a:p>
           <a:p>
             <a:pPr marL="514350" indent="-514350">
-              <a:buFont typeface="+mj-lt"/>
               <a:buAutoNum type="arabicPeriod"/>
             </a:pPr>
             <a:r>
               <a:rPr lang="ru-RU" dirty="0"/>
-              <a:t>Что мы хотим сделать</a:t>
-            </a:r>
-            <a:r>
-              <a:rPr lang="en-US" dirty="0"/>
-              <a:t>?</a:t>
-            </a:r>
-          </a:p>
-          <a:p>
-            <a:pPr marL="514350" indent="-514350">
-              <a:buFont typeface="+mj-lt"/>
-              <a:buAutoNum type="arabicPeriod"/>
-            </a:pPr>
-            <a:r>
-              <a:rPr lang="ru-RU" dirty="0"/>
-              <a:t>Зачем мы это делаем</a:t>
-            </a:r>
-            <a:r>
-              <a:rPr lang="en-US" dirty="0"/>
-              <a:t> (</a:t>
-            </a:r>
-            <a:r>
-              <a:rPr lang="ru-RU" dirty="0"/>
-              <a:t>какую задачу</a:t>
-            </a:r>
-            <a:r>
-              <a:rPr lang="en-US" dirty="0"/>
-              <a:t>/</a:t>
-            </a:r>
-            <a:r>
-              <a:rPr lang="ru-RU" dirty="0"/>
-              <a:t>проблему решаем)</a:t>
-            </a:r>
-            <a:r>
-              <a:rPr lang="en-US" dirty="0"/>
-              <a:t>?</a:t>
-            </a:r>
-          </a:p>
-          <a:p>
-            <a:pPr marL="514350" indent="-514350">
-              <a:buFont typeface="+mj-lt"/>
-              <a:buAutoNum type="arabicPeriod"/>
-            </a:pPr>
-            <a:r>
-              <a:rPr lang="ru-RU" dirty="0"/>
-              <a:t>Кто будет это использовать</a:t>
-            </a:r>
-            <a:r>
-              <a:rPr lang="en-US" dirty="0"/>
-              <a:t>?</a:t>
-            </a:r>
+              <a:t>Понимание</a:t>
+            </a:r>
+            <a:r>
+              <a:rPr lang="en-US" dirty="0"/>
+              <a:t>, </a:t>
+            </a:r>
+            <a:r>
+              <a:rPr lang="ru-RU" dirty="0"/>
+              <a:t>какие риски закладывать в бюджет (например мы понимаем</a:t>
+            </a:r>
+            <a:r>
+              <a:rPr lang="en-US" dirty="0"/>
+              <a:t>, </a:t>
+            </a:r>
+            <a:r>
+              <a:rPr lang="ru-RU" dirty="0"/>
+              <a:t>что не укладываемся по </a:t>
+            </a:r>
+            <a:r>
+              <a:rPr lang="en-US" dirty="0"/>
+              <a:t>Fixed, </a:t>
+            </a:r>
+            <a:r>
+              <a:rPr lang="ru-RU" dirty="0"/>
+              <a:t>значит потеряли доход)</a:t>
+            </a:r>
+            <a:endParaRPr lang="en-US" dirty="0"/>
           </a:p>
         </p:txBody>
       </p:sp>
     </p:spTree>
     <p:extLst>
       <p:ext uri="{BB962C8B-B14F-4D97-AF65-F5344CB8AC3E}">
-        <p14:creationId xmlns:p14="http://schemas.microsoft.com/office/powerpoint/2010/main" val="2891650508"/>
+        <p14:creationId xmlns:p14="http://schemas.microsoft.com/office/powerpoint/2010/main" val="1956058591"/>
       </p:ext>
     </p:extLst>
   </p:cSld>
@@ -5552,15 +5410,7 @@
           <a:p>
             <a:r>
               <a:rPr lang="ru-RU" dirty="0"/>
-              <a:t>🔍</a:t>
-            </a:r>
-            <a:r>
-              <a:rPr lang="en-US" dirty="0"/>
-              <a:t> </a:t>
-            </a:r>
-            <a:r>
-              <a:rPr lang="ru-RU" dirty="0"/>
-              <a:t>Что мы делаем</a:t>
+              <a:t>Предварительный анализ проекта</a:t>
             </a:r>
           </a:p>
         </p:txBody>
@@ -5593,21 +5443,81 @@
           </a:bodyPr>
           <a:lstStyle/>
           <a:p>
+            <a:pPr marL="0" indent="0">
+              <a:buNone/>
+            </a:pPr>
+            <a:r>
+              <a:rPr lang="ru-RU" dirty="0"/>
+              <a:t>Предварительный анализ – это начальный этап проекта</a:t>
+            </a:r>
+            <a:r>
+              <a:rPr lang="en-US" dirty="0"/>
+              <a:t>, </a:t>
+            </a:r>
+            <a:r>
+              <a:rPr lang="ru-RU" dirty="0"/>
+              <a:t>когда мы разбираемся</a:t>
+            </a:r>
+            <a:r>
+              <a:rPr lang="en-US" dirty="0"/>
+              <a:t>, </a:t>
+            </a:r>
+            <a:r>
+              <a:rPr lang="ru-RU" dirty="0"/>
+              <a:t>а стоит ли игра</a:t>
+            </a:r>
+            <a:r>
+              <a:rPr lang="en-US" dirty="0"/>
+              <a:t> </a:t>
+            </a:r>
+            <a:r>
+              <a:rPr lang="ru-RU" dirty="0"/>
+              <a:t>того</a:t>
+            </a:r>
+            <a:r>
+              <a:rPr lang="en-US" dirty="0"/>
+              <a:t>, </a:t>
+            </a:r>
+            <a:r>
+              <a:rPr lang="ru-RU" dirty="0"/>
+              <a:t>чтобы в нее играть</a:t>
+            </a:r>
+            <a:r>
+              <a:rPr lang="en-US" dirty="0"/>
+              <a:t>?</a:t>
+            </a:r>
+          </a:p>
+          <a:p>
+            <a:pPr marL="0" indent="0">
+              <a:buNone/>
+            </a:pPr>
+            <a:endParaRPr lang="ru-RU" dirty="0"/>
+          </a:p>
+          <a:p>
+            <a:pPr marL="0" indent="0">
+              <a:buNone/>
+            </a:pPr>
+            <a:r>
+              <a:rPr lang="ru-RU" dirty="0"/>
+              <a:t>Тут отвечаем на важные вопросы</a:t>
+            </a:r>
+            <a:r>
+              <a:rPr lang="en-US" dirty="0"/>
+              <a:t>:</a:t>
+            </a:r>
+          </a:p>
+          <a:p>
             <a:pPr marL="514350" indent="-514350">
               <a:buFont typeface="+mj-lt"/>
               <a:buAutoNum type="arabicPeriod"/>
             </a:pPr>
             <a:r>
               <a:rPr lang="ru-RU" dirty="0"/>
-              <a:t>Мы создаем мобильное приложение</a:t>
-            </a:r>
-            <a:r>
-              <a:rPr lang="en-US" dirty="0"/>
-              <a:t>, </a:t>
-            </a:r>
-            <a:r>
-              <a:rPr lang="ru-RU" dirty="0"/>
-              <a:t>которое показывает пользователю свободные парковочные места в городе в режиме реального времени</a:t>
+              <a:t>Что мы хотим сделать</a:t>
+            </a:r>
+            <a:r>
+              <a:rPr lang="en-US" dirty="0"/>
+              <a:t>?</a:t>
             </a:r>
           </a:p>
           <a:p>
@@ -5617,7 +5527,15 @@
             </a:pPr>
             <a:r>
               <a:rPr lang="ru-RU" dirty="0"/>
-              <a:t>Приложение умеет строить маршрут до ближайшей парковки (можно выбрать платную</a:t>
+              <a:t>Зачем мы это делаем</a:t>
+            </a:r>
+            <a:r>
+              <a:rPr lang="en-US" dirty="0"/>
+              <a:t> (</a:t>
+            </a:r>
+            <a:r>
+              <a:rPr lang="ru-RU" dirty="0"/>
+              <a:t>какую задачу</a:t>
             </a:r>
             <a:r>
               <a:rPr lang="en-US" dirty="0"/>
@@ -5625,24 +5543,33 @@
             </a:r>
             <a:r>
               <a:rPr lang="ru-RU" dirty="0"/>
-              <a:t>бесплатную) и умеет в режиме реального времени изменять маршрут</a:t>
-            </a:r>
-            <a:r>
-              <a:rPr lang="en-US" dirty="0"/>
-              <a:t>, </a:t>
-            </a:r>
-            <a:r>
-              <a:rPr lang="ru-RU" dirty="0"/>
-              <a:t>если мест нет</a:t>
-            </a:r>
-            <a:endParaRPr lang="en-US" dirty="0"/>
+              <a:t>проблему решаем)</a:t>
+            </a:r>
+            <a:r>
+              <a:rPr lang="en-US" dirty="0"/>
+              <a:t>?</a:t>
+            </a:r>
+          </a:p>
+          <a:p>
+            <a:pPr marL="514350" indent="-514350">
+              <a:buFont typeface="+mj-lt"/>
+              <a:buAutoNum type="arabicPeriod"/>
+            </a:pPr>
+            <a:r>
+              <a:rPr lang="ru-RU" dirty="0"/>
+              <a:t>Кто будет это использовать</a:t>
+            </a:r>
+            <a:r>
+              <a:rPr lang="en-US" dirty="0"/>
+              <a:t>?</a:t>
+            </a:r>
           </a:p>
         </p:txBody>
       </p:sp>
     </p:spTree>
     <p:extLst>
       <p:ext uri="{BB962C8B-B14F-4D97-AF65-F5344CB8AC3E}">
-        <p14:creationId xmlns:p14="http://schemas.microsoft.com/office/powerpoint/2010/main" val="1202507078"/>
+        <p14:creationId xmlns:p14="http://schemas.microsoft.com/office/powerpoint/2010/main" val="2891650508"/>
       </p:ext>
     </p:extLst>
   </p:cSld>
@@ -5692,13 +5619,16 @@
           <a:p>
             <a:r>
               <a:rPr lang="ru-RU" dirty="0"/>
-              <a:t>🎯 Зачем мы это делаем</a:t>
-            </a:r>
-            <a:r>
-              <a:rPr lang="en-US" dirty="0"/>
-              <a:t>?</a:t>
-            </a:r>
-            <a:endParaRPr lang="ru-RU" dirty="0"/>
+              <a:t>🔍</a:t>
+            </a:r>
+            <a:r>
+              <a:rPr lang="en-US" dirty="0"/>
+              <a:t> </a:t>
+            </a:r>
+            <a:r>
+              <a:rPr lang="ru-RU" dirty="0"/>
+              <a:t>Что мы делаем</a:t>
+            </a:r>
           </a:p>
         </p:txBody>
       </p:sp>
@@ -5726,22 +5656,9 @@
         </p:spPr>
         <p:txBody>
           <a:bodyPr>
-            <a:normAutofit lnSpcReduction="10000"/>
+            <a:normAutofit/>
           </a:bodyPr>
           <a:lstStyle/>
-          <a:p>
-            <a:pPr marL="0" indent="0">
-              <a:buNone/>
-            </a:pPr>
-            <a:r>
-              <a:rPr lang="ru-RU" dirty="0"/>
-              <a:t>Тут отвечаем на вопросы</a:t>
-            </a:r>
-            <a:r>
-              <a:rPr lang="en-US" dirty="0"/>
-              <a:t>:</a:t>
-            </a:r>
-          </a:p>
           <a:p>
             <a:pPr marL="514350" indent="-514350">
               <a:buFont typeface="+mj-lt"/>
@@ -5749,11 +5666,15 @@
             </a:pPr>
             <a:r>
               <a:rPr lang="ru-RU" dirty="0"/>
-              <a:t>Какую задачу решает наш проект</a:t>
-            </a:r>
-            <a:r>
-              <a:rPr lang="en-US" dirty="0"/>
-              <a:t>?</a:t>
+              <a:t>Мы создаем мобильное приложение</a:t>
+            </a:r>
+            <a:r>
+              <a:rPr lang="en-US" dirty="0"/>
+              <a:t>, </a:t>
+            </a:r>
+            <a:r>
+              <a:rPr lang="ru-RU" dirty="0"/>
+              <a:t>которое показывает пользователю свободные парковочные места в городе в режиме реального времени</a:t>
             </a:r>
           </a:p>
           <a:p>
@@ -5763,75 +5684,24 @@
             </a:pPr>
             <a:r>
               <a:rPr lang="ru-RU" dirty="0"/>
-              <a:t>Почему это будет полезно</a:t>
-            </a:r>
-            <a:r>
-              <a:rPr lang="en-US" dirty="0"/>
-              <a:t>?</a:t>
-            </a:r>
-          </a:p>
-          <a:p>
-            <a:pPr marL="0" indent="0">
-              <a:buNone/>
-            </a:pPr>
-            <a:endParaRPr lang="en-US" dirty="0"/>
-          </a:p>
-          <a:p>
-            <a:pPr marL="0" indent="0">
-              <a:buNone/>
-            </a:pPr>
-            <a:r>
-              <a:rPr lang="ru-RU" dirty="0"/>
-              <a:t>Приложение решает следующие задачи</a:t>
-            </a:r>
-            <a:r>
-              <a:rPr lang="en-US" dirty="0"/>
-              <a:t>:</a:t>
-            </a:r>
-          </a:p>
-          <a:p>
-            <a:pPr marL="514350" indent="-514350">
-              <a:buFont typeface="+mj-lt"/>
-              <a:buAutoNum type="arabicPeriod"/>
-            </a:pPr>
-            <a:r>
-              <a:rPr lang="ru-RU" dirty="0"/>
-              <a:t>Экономия времени водителей на поиск парковки</a:t>
-            </a:r>
-          </a:p>
-          <a:p>
-            <a:pPr marL="514350" indent="-514350">
-              <a:buFont typeface="+mj-lt"/>
-              <a:buAutoNum type="arabicPeriod"/>
-            </a:pPr>
-            <a:r>
-              <a:rPr lang="ru-RU" dirty="0"/>
-              <a:t>Снижаем трафик в правых полосах</a:t>
-            </a:r>
-          </a:p>
-          <a:p>
-            <a:pPr marL="514350" indent="-514350">
-              <a:buFont typeface="+mj-lt"/>
-              <a:buAutoNum type="arabicPeriod"/>
-            </a:pPr>
-            <a:r>
-              <a:rPr lang="ru-RU" dirty="0" err="1"/>
-              <a:t>Доп</a:t>
-            </a:r>
-            <a:r>
-              <a:rPr lang="en-US" dirty="0"/>
-              <a:t>. </a:t>
-            </a:r>
-            <a:r>
-              <a:rPr lang="ru-RU" dirty="0"/>
-              <a:t>возможность – интеграция с городскими службами и уведомление водителей если планируются работы</a:t>
-            </a:r>
-            <a:endParaRPr lang="en-US" dirty="0"/>
-          </a:p>
-          <a:p>
-            <a:pPr marL="0" indent="0">
-              <a:buNone/>
-            </a:pPr>
+              <a:t>Приложение умеет строить маршрут до ближайшей парковки (можно выбрать платную</a:t>
+            </a:r>
+            <a:r>
+              <a:rPr lang="en-US" dirty="0"/>
+              <a:t>/</a:t>
+            </a:r>
+            <a:r>
+              <a:rPr lang="ru-RU" dirty="0"/>
+              <a:t>бесплатную) и умеет в режиме реального времени изменять маршрут</a:t>
+            </a:r>
+            <a:r>
+              <a:rPr lang="en-US" dirty="0"/>
+              <a:t>, </a:t>
+            </a:r>
+            <a:r>
+              <a:rPr lang="ru-RU" dirty="0"/>
+              <a:t>если мест нет</a:t>
+            </a:r>
             <a:endParaRPr lang="en-US" dirty="0"/>
           </a:p>
         </p:txBody>
@@ -5839,7 +5709,7 @@
     </p:spTree>
     <p:extLst>
       <p:ext uri="{BB962C8B-B14F-4D97-AF65-F5344CB8AC3E}">
-        <p14:creationId xmlns:p14="http://schemas.microsoft.com/office/powerpoint/2010/main" val="2703589684"/>
+        <p14:creationId xmlns:p14="http://schemas.microsoft.com/office/powerpoint/2010/main" val="1202507078"/>
       </p:ext>
     </p:extLst>
   </p:cSld>
@@ -5889,7 +5759,7 @@
           <a:p>
             <a:r>
               <a:rPr lang="ru-RU" dirty="0"/>
-              <a:t>👥 А кто будет это юзать</a:t>
+              <a:t>🎯 Зачем мы это делаем</a:t>
             </a:r>
             <a:r>
               <a:rPr lang="en-US" dirty="0"/>
@@ -5923,7 +5793,7 @@
         </p:spPr>
         <p:txBody>
           <a:bodyPr>
-            <a:normAutofit fontScale="62500" lnSpcReduction="20000"/>
+            <a:normAutofit lnSpcReduction="10000"/>
           </a:bodyPr>
           <a:lstStyle/>
           <a:p>
@@ -5932,26 +5802,7 @@
             </a:pPr>
             <a:r>
               <a:rPr lang="ru-RU" dirty="0"/>
-              <a:t>Тут важно понять пользователя и его интересы</a:t>
-            </a:r>
-            <a:r>
-              <a:rPr lang="en-US" dirty="0"/>
-              <a:t>.</a:t>
-            </a:r>
-          </a:p>
-          <a:p>
-            <a:pPr marL="0" indent="0">
-              <a:buNone/>
-            </a:pPr>
-            <a:endParaRPr lang="ru-RU" dirty="0"/>
-          </a:p>
-          <a:p>
-            <a:pPr marL="0" indent="0">
-              <a:buNone/>
-            </a:pPr>
-            <a:r>
-              <a:rPr lang="ru-RU" dirty="0"/>
-              <a:t>Аудитория</a:t>
+              <a:t>Тут отвечаем на вопросы</a:t>
             </a:r>
             <a:r>
               <a:rPr lang="en-US" dirty="0"/>
@@ -5965,15 +5816,11 @@
             </a:pPr>
             <a:r>
               <a:rPr lang="ru-RU" dirty="0"/>
-              <a:t>Автомобилисты</a:t>
-            </a:r>
-            <a:r>
-              <a:rPr lang="en-US" dirty="0"/>
-              <a:t>, </a:t>
-            </a:r>
-            <a:r>
-              <a:rPr lang="ru-RU" dirty="0"/>
-              <a:t>передвигающиеся по городу</a:t>
+              <a:t>Какую задачу решает наш проект</a:t>
+            </a:r>
+            <a:r>
+              <a:rPr lang="en-US" dirty="0"/>
+              <a:t>?</a:t>
             </a:r>
           </a:p>
           <a:p>
@@ -5983,22 +5830,18 @@
             </a:pPr>
             <a:r>
               <a:rPr lang="ru-RU" dirty="0"/>
-              <a:t>Возраст примерно 20-50 лет</a:t>
-            </a:r>
-            <a:r>
-              <a:rPr lang="en-US" dirty="0"/>
-              <a:t>, </a:t>
-            </a:r>
-            <a:r>
-              <a:rPr lang="ru-RU" dirty="0"/>
-              <a:t>активно используют телефон</a:t>
+              <a:t>Почему это будет полезно</a:t>
+            </a:r>
+            <a:r>
+              <a:rPr lang="en-US" dirty="0"/>
+              <a:t>?</a:t>
             </a:r>
           </a:p>
           <a:p>
             <a:pPr marL="0" indent="0">
               <a:buNone/>
             </a:pPr>
-            <a:endParaRPr lang="ru-RU" dirty="0"/>
+            <a:endParaRPr lang="en-US" dirty="0"/>
           </a:p>
           <a:p>
             <a:pPr marL="0" indent="0">
@@ -6006,7 +5849,7 @@
             </a:pPr>
             <a:r>
               <a:rPr lang="ru-RU" dirty="0"/>
-              <a:t>Потребности</a:t>
+              <a:t>Приложение решает следующие задачи</a:t>
             </a:r>
             <a:r>
               <a:rPr lang="en-US" dirty="0"/>
@@ -6020,7 +5863,7 @@
             </a:pPr>
             <a:r>
               <a:rPr lang="ru-RU" dirty="0"/>
-              <a:t>Экономия личного времени</a:t>
+              <a:t>Экономия времени водителей на поиск парковки</a:t>
             </a:r>
           </a:p>
           <a:p>
@@ -6030,26 +5873,7 @@
             </a:pPr>
             <a:r>
               <a:rPr lang="ru-RU" dirty="0"/>
-              <a:t>Комфорт и удобство перемещения</a:t>
-            </a:r>
-          </a:p>
-          <a:p>
-            <a:pPr marL="0" indent="0">
-              <a:buNone/>
-            </a:pPr>
-            <a:endParaRPr lang="ru-RU" dirty="0"/>
-          </a:p>
-          <a:p>
-            <a:pPr marL="0" indent="0">
-              <a:buNone/>
-            </a:pPr>
-            <a:r>
-              <a:rPr lang="ru-RU" dirty="0"/>
-              <a:t>Как будем изучать аудиторию (</a:t>
-            </a:r>
-            <a:r>
-              <a:rPr lang="en-US" dirty="0"/>
-              <a:t>customer development)</a:t>
+              <a:t>Снижаем трафик в правых полосах</a:t>
             </a:r>
           </a:p>
           <a:p>
@@ -6058,19 +5882,23 @@
               <a:buAutoNum type="arabicPeriod"/>
             </a:pPr>
             <a:r>
-              <a:rPr lang="ru-RU" dirty="0"/>
-              <a:t>Короткие интервью с водителями</a:t>
-            </a:r>
-          </a:p>
-          <a:p>
-            <a:pPr marL="514350" indent="-514350">
-              <a:buFont typeface="+mj-lt"/>
-              <a:buAutoNum type="arabicPeriod"/>
-            </a:pPr>
-            <a:r>
-              <a:rPr lang="ru-RU" dirty="0"/>
-              <a:t>Онлайн опрос</a:t>
-            </a:r>
+              <a:rPr lang="ru-RU" dirty="0" err="1"/>
+              <a:t>Доп</a:t>
+            </a:r>
+            <a:r>
+              <a:rPr lang="en-US" dirty="0"/>
+              <a:t>. </a:t>
+            </a:r>
+            <a:r>
+              <a:rPr lang="ru-RU" dirty="0"/>
+              <a:t>возможность – интеграция с городскими службами и уведомление водителей если планируются работы</a:t>
+            </a:r>
+            <a:endParaRPr lang="en-US" dirty="0"/>
+          </a:p>
+          <a:p>
+            <a:pPr marL="0" indent="0">
+              <a:buNone/>
+            </a:pPr>
             <a:endParaRPr lang="en-US" dirty="0"/>
           </a:p>
         </p:txBody>
@@ -6078,7 +5906,7 @@
     </p:spTree>
     <p:extLst>
       <p:ext uri="{BB962C8B-B14F-4D97-AF65-F5344CB8AC3E}">
-        <p14:creationId xmlns:p14="http://schemas.microsoft.com/office/powerpoint/2010/main" val="1669509342"/>
+        <p14:creationId xmlns:p14="http://schemas.microsoft.com/office/powerpoint/2010/main" val="2703589684"/>
       </p:ext>
     </p:extLst>
   </p:cSld>
@@ -6128,7 +5956,7 @@
           <a:p>
             <a:r>
               <a:rPr lang="ru-RU" dirty="0"/>
-              <a:t>👥 Для кого этот проект</a:t>
+              <a:t>👥 А кто будет это юзать</a:t>
             </a:r>
             <a:r>
               <a:rPr lang="en-US" dirty="0"/>
@@ -6162,7 +5990,7 @@
         </p:spPr>
         <p:txBody>
           <a:bodyPr>
-            <a:normAutofit/>
+            <a:normAutofit fontScale="62500" lnSpcReduction="20000"/>
           </a:bodyPr>
           <a:lstStyle/>
           <a:p>
@@ -6171,24 +5999,26 @@
             </a:pPr>
             <a:r>
               <a:rPr lang="ru-RU" dirty="0"/>
-              <a:t>Сектор</a:t>
-            </a:r>
-            <a:r>
-              <a:rPr lang="en-US" dirty="0"/>
-              <a:t>: </a:t>
-            </a:r>
-            <a:r>
-              <a:rPr lang="ru-RU" dirty="0"/>
-              <a:t>коммерция (стартап)</a:t>
+              <a:t>Тут важно понять пользователя и его интересы</a:t>
+            </a:r>
+            <a:r>
+              <a:rPr lang="en-US" dirty="0"/>
+              <a:t>.</a:t>
             </a:r>
           </a:p>
           <a:p>
             <a:pPr marL="0" indent="0">
               <a:buNone/>
             </a:pPr>
-            <a:r>
-              <a:rPr lang="ru-RU" dirty="0"/>
-              <a:t>Ключевые пользователи</a:t>
+            <a:endParaRPr lang="ru-RU" dirty="0"/>
+          </a:p>
+          <a:p>
+            <a:pPr marL="0" indent="0">
+              <a:buNone/>
+            </a:pPr>
+            <a:r>
+              <a:rPr lang="ru-RU" dirty="0"/>
+              <a:t>Аудитория</a:t>
             </a:r>
             <a:r>
               <a:rPr lang="en-US" dirty="0"/>
@@ -6204,6 +6034,14 @@
               <a:rPr lang="ru-RU" dirty="0"/>
               <a:t>Автомобилисты</a:t>
             </a:r>
+            <a:r>
+              <a:rPr lang="en-US" dirty="0"/>
+              <a:t>, </a:t>
+            </a:r>
+            <a:r>
+              <a:rPr lang="ru-RU" dirty="0"/>
+              <a:t>передвигающиеся по городу</a:t>
+            </a:r>
           </a:p>
           <a:p>
             <a:pPr marL="514350" indent="-514350">
@@ -6212,7 +6050,7 @@
             </a:pPr>
             <a:r>
               <a:rPr lang="ru-RU" dirty="0"/>
-              <a:t>Частные компании (такси</a:t>
+              <a:t>Возраст примерно 20-50 лет</a:t>
             </a:r>
             <a:r>
               <a:rPr lang="en-US" dirty="0"/>
@@ -6220,7 +6058,26 @@
             </a:r>
             <a:r>
               <a:rPr lang="ru-RU" dirty="0"/>
-              <a:t>каршеринг)</a:t>
+              <a:t>активно используют телефон</a:t>
+            </a:r>
+          </a:p>
+          <a:p>
+            <a:pPr marL="0" indent="0">
+              <a:buNone/>
+            </a:pPr>
+            <a:endParaRPr lang="ru-RU" dirty="0"/>
+          </a:p>
+          <a:p>
+            <a:pPr marL="0" indent="0">
+              <a:buNone/>
+            </a:pPr>
+            <a:r>
+              <a:rPr lang="ru-RU" dirty="0"/>
+              <a:t>Потребности</a:t>
+            </a:r>
+            <a:r>
+              <a:rPr lang="en-US" dirty="0"/>
+              <a:t>:</a:t>
             </a:r>
           </a:p>
           <a:p>
@@ -6230,15 +6087,56 @@
             </a:pPr>
             <a:r>
               <a:rPr lang="ru-RU" dirty="0"/>
-              <a:t>В перспективе</a:t>
-            </a:r>
-            <a:r>
-              <a:rPr lang="en-US" dirty="0"/>
-              <a:t>: </a:t>
-            </a:r>
-            <a:r>
-              <a:rPr lang="ru-RU" dirty="0"/>
-              <a:t>муниципальные службы</a:t>
+              <a:t>Экономия личного времени</a:t>
+            </a:r>
+          </a:p>
+          <a:p>
+            <a:pPr marL="514350" indent="-514350">
+              <a:buFont typeface="+mj-lt"/>
+              <a:buAutoNum type="arabicPeriod"/>
+            </a:pPr>
+            <a:r>
+              <a:rPr lang="ru-RU" dirty="0"/>
+              <a:t>Комфорт и удобство перемещения</a:t>
+            </a:r>
+          </a:p>
+          <a:p>
+            <a:pPr marL="0" indent="0">
+              <a:buNone/>
+            </a:pPr>
+            <a:endParaRPr lang="ru-RU" dirty="0"/>
+          </a:p>
+          <a:p>
+            <a:pPr marL="0" indent="0">
+              <a:buNone/>
+            </a:pPr>
+            <a:r>
+              <a:rPr lang="ru-RU" dirty="0"/>
+              <a:t>Как будем изучать аудиторию (</a:t>
+            </a:r>
+            <a:r>
+              <a:rPr lang="en-US" dirty="0"/>
+              <a:t>customer development)</a:t>
+            </a:r>
+          </a:p>
+          <a:p>
+            <a:pPr marL="514350" indent="-514350">
+              <a:buFont typeface="+mj-lt"/>
+              <a:buAutoNum type="arabicPeriod"/>
+            </a:pPr>
+            <a:r>
+              <a:rPr lang="ru-RU" dirty="0"/>
+              <a:t>Короткие интервью с водителями</a:t>
+            </a:r>
+          </a:p>
+          <a:p>
+            <a:pPr marL="514350" indent="-514350">
+              <a:buFont typeface="+mj-lt"/>
+              <a:buAutoNum type="arabicPeriod"/>
+            </a:pPr>
+            <a:r>
+              <a:rPr lang="ru-RU" dirty="0"/>
+              <a:t>Онлайн опрос</a:t>
             </a:r>
             <a:endParaRPr lang="en-US" dirty="0"/>
           </a:p>
@@ -6247,7 +6145,7 @@
     </p:spTree>
     <p:extLst>
       <p:ext uri="{BB962C8B-B14F-4D97-AF65-F5344CB8AC3E}">
-        <p14:creationId xmlns:p14="http://schemas.microsoft.com/office/powerpoint/2010/main" val="3912597278"/>
+        <p14:creationId xmlns:p14="http://schemas.microsoft.com/office/powerpoint/2010/main" val="1669509342"/>
       </p:ext>
     </p:extLst>
   </p:cSld>
@@ -6297,8 +6195,13 @@
           <a:p>
             <a:r>
               <a:rPr lang="ru-RU" dirty="0"/>
-              <a:t>Практический пример</a:t>
-            </a:r>
+              <a:t>👥 Для кого этот проект</a:t>
+            </a:r>
+            <a:r>
+              <a:rPr lang="en-US" dirty="0"/>
+              <a:t>?</a:t>
+            </a:r>
+            <a:endParaRPr lang="ru-RU" dirty="0"/>
           </a:p>
         </p:txBody>
       </p:sp>
@@ -6326,7 +6229,7 @@
         </p:spPr>
         <p:txBody>
           <a:bodyPr>
-            <a:normAutofit fontScale="85000" lnSpcReduction="20000"/>
+            <a:normAutofit/>
           </a:bodyPr>
           <a:lstStyle/>
           <a:p>
@@ -6335,7 +6238,7 @@
             </a:pPr>
             <a:r>
               <a:rPr lang="ru-RU" dirty="0"/>
-              <a:t>Идея проекта</a:t>
+              <a:t>Сектор</a:t>
             </a:r>
             <a:r>
               <a:rPr lang="en-US" dirty="0"/>
@@ -6343,7 +6246,7 @@
             </a:r>
             <a:r>
               <a:rPr lang="ru-RU" dirty="0"/>
-              <a:t>приложение для поиска парковки</a:t>
+              <a:t>коммерция (стартап)</a:t>
             </a:r>
           </a:p>
           <a:p>
@@ -6352,87 +6255,7 @@
             </a:pPr>
             <a:r>
               <a:rPr lang="ru-RU" dirty="0"/>
-              <a:t>Цель</a:t>
-            </a:r>
-            <a:r>
-              <a:rPr lang="en-US" dirty="0"/>
-              <a:t>: </a:t>
-            </a:r>
-            <a:r>
-              <a:rPr lang="ru-RU" dirty="0"/>
-              <a:t>сокращение времени поиска парковки</a:t>
-            </a:r>
-            <a:r>
-              <a:rPr lang="en-US" dirty="0"/>
-              <a:t>, </a:t>
-            </a:r>
-            <a:r>
-              <a:rPr lang="ru-RU" dirty="0"/>
-              <a:t>улучшение городского трафика</a:t>
-            </a:r>
-          </a:p>
-          <a:p>
-            <a:pPr marL="0" indent="0">
-              <a:buNone/>
-            </a:pPr>
-            <a:r>
-              <a:rPr lang="ru-RU" dirty="0"/>
-              <a:t>Целевая аудитория</a:t>
-            </a:r>
-            <a:r>
-              <a:rPr lang="en-US" dirty="0"/>
-              <a:t>: </a:t>
-            </a:r>
-            <a:r>
-              <a:rPr lang="ru-RU" dirty="0"/>
-              <a:t>автомобилисты</a:t>
-            </a:r>
-            <a:r>
-              <a:rPr lang="en-US" dirty="0"/>
-              <a:t>, 20-50 </a:t>
-            </a:r>
-            <a:r>
-              <a:rPr lang="ru-RU" dirty="0"/>
-              <a:t>лет</a:t>
-            </a:r>
-            <a:r>
-              <a:rPr lang="en-US" dirty="0"/>
-              <a:t>, </a:t>
-            </a:r>
-            <a:r>
-              <a:rPr lang="ru-RU" dirty="0"/>
-              <a:t>офисные работники</a:t>
-            </a:r>
-            <a:r>
-              <a:rPr lang="en-US" dirty="0"/>
-              <a:t>, </a:t>
-            </a:r>
-            <a:r>
-              <a:rPr lang="ru-RU" dirty="0"/>
-              <a:t>службы доставки</a:t>
-            </a:r>
-            <a:r>
-              <a:rPr lang="en-US" dirty="0"/>
-              <a:t>, </a:t>
-            </a:r>
-            <a:r>
-              <a:rPr lang="ru-RU" dirty="0"/>
-              <a:t>такси</a:t>
-            </a:r>
-          </a:p>
-          <a:p>
-            <a:pPr marL="0" indent="0">
-              <a:buNone/>
-            </a:pPr>
-            <a:endParaRPr lang="ru-RU" dirty="0"/>
-          </a:p>
-          <a:p>
-            <a:pPr marL="0" indent="0">
-              <a:buNone/>
-            </a:pPr>
-            <a:r>
-              <a:rPr lang="ru-RU" dirty="0"/>
-              <a:t>Валидация идеи</a:t>
+              <a:t>Ключевые пользователи</a:t>
             </a:r>
             <a:r>
               <a:rPr lang="en-US" dirty="0"/>
@@ -6445,8 +6268,8 @@
               <a:buAutoNum type="arabicPeriod"/>
             </a:pPr>
             <a:r>
-              <a:rPr lang="en-US" dirty="0"/>
-              <a:t>Customer development</a:t>
+              <a:rPr lang="ru-RU" dirty="0"/>
+              <a:t>Автомобилисты</a:t>
             </a:r>
           </a:p>
           <a:p>
@@ -6456,64 +6279,34 @@
             </a:pPr>
             <a:r>
               <a:rPr lang="ru-RU" dirty="0"/>
-              <a:t>Анализ конкурентов</a:t>
-            </a:r>
-          </a:p>
-          <a:p>
-            <a:pPr marL="0" indent="0">
-              <a:buNone/>
-            </a:pPr>
-            <a:r>
-              <a:rPr lang="ru-RU" dirty="0"/>
-              <a:t>Выводы</a:t>
+              <a:t>Частные компании (такси</a:t>
+            </a:r>
+            <a:r>
+              <a:rPr lang="en-US" dirty="0"/>
+              <a:t>, </a:t>
+            </a:r>
+            <a:r>
+              <a:rPr lang="ru-RU" dirty="0"/>
+              <a:t>каршеринг)</a:t>
+            </a:r>
+          </a:p>
+          <a:p>
+            <a:pPr marL="514350" indent="-514350">
+              <a:buFont typeface="+mj-lt"/>
+              <a:buAutoNum type="arabicPeriod"/>
+            </a:pPr>
+            <a:r>
+              <a:rPr lang="ru-RU" dirty="0"/>
+              <a:t>В перспективе</a:t>
             </a:r>
             <a:r>
               <a:rPr lang="en-US" dirty="0"/>
               <a:t>: </a:t>
             </a:r>
-            <a:endParaRPr lang="ru-RU" dirty="0"/>
-          </a:p>
-          <a:p>
-            <a:pPr marL="514350" indent="-514350">
-              <a:buAutoNum type="arabicPeriod"/>
-            </a:pPr>
-            <a:r>
-              <a:rPr lang="ru-RU" dirty="0"/>
-              <a:t>Проблема актуальна – можем продолжать работу</a:t>
-            </a:r>
-            <a:r>
-              <a:rPr lang="en-US" dirty="0"/>
-              <a:t>. </a:t>
-            </a:r>
-            <a:endParaRPr lang="ru-RU" dirty="0"/>
-          </a:p>
-          <a:p>
-            <a:pPr marL="514350" indent="-514350">
-              <a:buAutoNum type="arabicPeriod"/>
-            </a:pPr>
-            <a:r>
-              <a:rPr lang="ru-RU" dirty="0"/>
-              <a:t>Проблема неактуальна</a:t>
-            </a:r>
-            <a:r>
-              <a:rPr lang="en-US" dirty="0"/>
-              <a:t>, </a:t>
-            </a:r>
-            <a:r>
-              <a:rPr lang="ru-RU" dirty="0"/>
-              <a:t>задача является решенной – закрываем идею</a:t>
-            </a:r>
-          </a:p>
-          <a:p>
-            <a:pPr marL="0" indent="0">
-              <a:buNone/>
-            </a:pPr>
-            <a:endParaRPr lang="ru-RU" dirty="0"/>
-          </a:p>
-          <a:p>
-            <a:pPr marL="0" indent="0">
-              <a:buNone/>
-            </a:pPr>
+            <a:r>
+              <a:rPr lang="ru-RU" dirty="0"/>
+              <a:t>муниципальные службы</a:t>
+            </a:r>
             <a:endParaRPr lang="en-US" dirty="0"/>
           </a:p>
         </p:txBody>
@@ -6521,7 +6314,7 @@
     </p:spTree>
     <p:extLst>
       <p:ext uri="{BB962C8B-B14F-4D97-AF65-F5344CB8AC3E}">
-        <p14:creationId xmlns:p14="http://schemas.microsoft.com/office/powerpoint/2010/main" val="1145281861"/>
+        <p14:creationId xmlns:p14="http://schemas.microsoft.com/office/powerpoint/2010/main" val="3912597278"/>
       </p:ext>
     </p:extLst>
   </p:cSld>
@@ -6571,6 +6364,280 @@
           <a:p>
             <a:r>
               <a:rPr lang="ru-RU" dirty="0"/>
+              <a:t>Практический пример</a:t>
+            </a:r>
+          </a:p>
+        </p:txBody>
+      </p:sp>
+      <p:sp>
+        <p:nvSpPr>
+          <p:cNvPr id="3" name="Объект 2">
+            <a:extLst>
+              <a:ext uri="{FF2B5EF4-FFF2-40B4-BE49-F238E27FC236}">
+                <a16:creationId xmlns:a16="http://schemas.microsoft.com/office/drawing/2014/main" id="{0CCC7D2F-3711-2152-69C5-828B72059726}"/>
+              </a:ext>
+            </a:extLst>
+          </p:cNvPr>
+          <p:cNvSpPr>
+            <a:spLocks noGrp="1"/>
+          </p:cNvSpPr>
+          <p:nvPr>
+            <p:ph idx="1"/>
+          </p:nvPr>
+        </p:nvSpPr>
+        <p:spPr>
+          <a:xfrm>
+            <a:off x="838200" y="1825625"/>
+            <a:ext cx="10515600" cy="4351338"/>
+          </a:xfrm>
+        </p:spPr>
+        <p:txBody>
+          <a:bodyPr>
+            <a:normAutofit fontScale="85000" lnSpcReduction="20000"/>
+          </a:bodyPr>
+          <a:lstStyle/>
+          <a:p>
+            <a:pPr marL="0" indent="0">
+              <a:buNone/>
+            </a:pPr>
+            <a:r>
+              <a:rPr lang="ru-RU" dirty="0"/>
+              <a:t>Идея проекта</a:t>
+            </a:r>
+            <a:r>
+              <a:rPr lang="en-US" dirty="0"/>
+              <a:t>: </a:t>
+            </a:r>
+            <a:r>
+              <a:rPr lang="ru-RU" dirty="0"/>
+              <a:t>приложение для поиска парковки</a:t>
+            </a:r>
+          </a:p>
+          <a:p>
+            <a:pPr marL="0" indent="0">
+              <a:buNone/>
+            </a:pPr>
+            <a:r>
+              <a:rPr lang="ru-RU" dirty="0"/>
+              <a:t>Цель</a:t>
+            </a:r>
+            <a:r>
+              <a:rPr lang="en-US" dirty="0"/>
+              <a:t>: </a:t>
+            </a:r>
+            <a:r>
+              <a:rPr lang="ru-RU" dirty="0"/>
+              <a:t>сокращение времени поиска парковки</a:t>
+            </a:r>
+            <a:r>
+              <a:rPr lang="en-US" dirty="0"/>
+              <a:t>, </a:t>
+            </a:r>
+            <a:r>
+              <a:rPr lang="ru-RU" dirty="0"/>
+              <a:t>улучшение городского трафика</a:t>
+            </a:r>
+          </a:p>
+          <a:p>
+            <a:pPr marL="0" indent="0">
+              <a:buNone/>
+            </a:pPr>
+            <a:r>
+              <a:rPr lang="ru-RU" dirty="0"/>
+              <a:t>Целевая аудитория</a:t>
+            </a:r>
+            <a:r>
+              <a:rPr lang="en-US" dirty="0"/>
+              <a:t>: </a:t>
+            </a:r>
+            <a:r>
+              <a:rPr lang="ru-RU" dirty="0"/>
+              <a:t>автомобилисты</a:t>
+            </a:r>
+            <a:r>
+              <a:rPr lang="en-US" dirty="0"/>
+              <a:t>, 20-50 </a:t>
+            </a:r>
+            <a:r>
+              <a:rPr lang="ru-RU" dirty="0"/>
+              <a:t>лет</a:t>
+            </a:r>
+            <a:r>
+              <a:rPr lang="en-US" dirty="0"/>
+              <a:t>, </a:t>
+            </a:r>
+            <a:r>
+              <a:rPr lang="ru-RU" dirty="0"/>
+              <a:t>офисные работники</a:t>
+            </a:r>
+            <a:r>
+              <a:rPr lang="en-US" dirty="0"/>
+              <a:t>, </a:t>
+            </a:r>
+            <a:r>
+              <a:rPr lang="ru-RU" dirty="0"/>
+              <a:t>службы доставки</a:t>
+            </a:r>
+            <a:r>
+              <a:rPr lang="en-US" dirty="0"/>
+              <a:t>, </a:t>
+            </a:r>
+            <a:r>
+              <a:rPr lang="ru-RU" dirty="0"/>
+              <a:t>такси</a:t>
+            </a:r>
+          </a:p>
+          <a:p>
+            <a:pPr marL="0" indent="0">
+              <a:buNone/>
+            </a:pPr>
+            <a:endParaRPr lang="ru-RU" dirty="0"/>
+          </a:p>
+          <a:p>
+            <a:pPr marL="0" indent="0">
+              <a:buNone/>
+            </a:pPr>
+            <a:r>
+              <a:rPr lang="ru-RU" dirty="0"/>
+              <a:t>Валидация идеи</a:t>
+            </a:r>
+            <a:r>
+              <a:rPr lang="en-US" dirty="0"/>
+              <a:t>:</a:t>
+            </a:r>
+          </a:p>
+          <a:p>
+            <a:pPr marL="514350" indent="-514350">
+              <a:buFont typeface="+mj-lt"/>
+              <a:buAutoNum type="arabicPeriod"/>
+            </a:pPr>
+            <a:r>
+              <a:rPr lang="en-US" dirty="0"/>
+              <a:t>Customer development</a:t>
+            </a:r>
+          </a:p>
+          <a:p>
+            <a:pPr marL="514350" indent="-514350">
+              <a:buFont typeface="+mj-lt"/>
+              <a:buAutoNum type="arabicPeriod"/>
+            </a:pPr>
+            <a:r>
+              <a:rPr lang="ru-RU" dirty="0"/>
+              <a:t>Анализ конкурентов</a:t>
+            </a:r>
+          </a:p>
+          <a:p>
+            <a:pPr marL="0" indent="0">
+              <a:buNone/>
+            </a:pPr>
+            <a:r>
+              <a:rPr lang="ru-RU" dirty="0"/>
+              <a:t>Выводы</a:t>
+            </a:r>
+            <a:r>
+              <a:rPr lang="en-US" dirty="0"/>
+              <a:t>: </a:t>
+            </a:r>
+            <a:endParaRPr lang="ru-RU" dirty="0"/>
+          </a:p>
+          <a:p>
+            <a:pPr marL="514350" indent="-514350">
+              <a:buAutoNum type="arabicPeriod"/>
+            </a:pPr>
+            <a:r>
+              <a:rPr lang="ru-RU" dirty="0"/>
+              <a:t>Проблема актуальна – можем продолжать работу</a:t>
+            </a:r>
+            <a:r>
+              <a:rPr lang="en-US" dirty="0"/>
+              <a:t>. </a:t>
+            </a:r>
+            <a:endParaRPr lang="ru-RU" dirty="0"/>
+          </a:p>
+          <a:p>
+            <a:pPr marL="514350" indent="-514350">
+              <a:buAutoNum type="arabicPeriod"/>
+            </a:pPr>
+            <a:r>
+              <a:rPr lang="ru-RU" dirty="0"/>
+              <a:t>Проблема неактуальна</a:t>
+            </a:r>
+            <a:r>
+              <a:rPr lang="en-US" dirty="0"/>
+              <a:t>, </a:t>
+            </a:r>
+            <a:r>
+              <a:rPr lang="ru-RU" dirty="0"/>
+              <a:t>задача является решенной – закрываем идею</a:t>
+            </a:r>
+          </a:p>
+          <a:p>
+            <a:pPr marL="0" indent="0">
+              <a:buNone/>
+            </a:pPr>
+            <a:endParaRPr lang="ru-RU" dirty="0"/>
+          </a:p>
+          <a:p>
+            <a:pPr marL="0" indent="0">
+              <a:buNone/>
+            </a:pPr>
+            <a:endParaRPr lang="en-US" dirty="0"/>
+          </a:p>
+        </p:txBody>
+      </p:sp>
+    </p:spTree>
+    <p:extLst>
+      <p:ext uri="{BB962C8B-B14F-4D97-AF65-F5344CB8AC3E}">
+        <p14:creationId xmlns:p14="http://schemas.microsoft.com/office/powerpoint/2010/main" val="1145281861"/>
+      </p:ext>
+    </p:extLst>
+  </p:cSld>
+  <p:clrMapOvr>
+    <a:masterClrMapping/>
+  </p:clrMapOvr>
+</p:sld>
+</file>
+
+<file path=ppt/slides/slide27.xml><?xml version="1.0" encoding="utf-8"?>
+<p:sld xmlns:a="http://schemas.openxmlformats.org/drawingml/2006/main" xmlns:r="http://schemas.openxmlformats.org/officeDocument/2006/relationships" xmlns:p="http://schemas.openxmlformats.org/presentationml/2006/main">
+  <p:cSld>
+    <p:spTree>
+      <p:nvGrpSpPr>
+        <p:cNvPr id="1" name=""/>
+        <p:cNvGrpSpPr/>
+        <p:nvPr/>
+      </p:nvGrpSpPr>
+      <p:grpSpPr>
+        <a:xfrm>
+          <a:off x="0" y="0"/>
+          <a:ext cx="0" cy="0"/>
+          <a:chOff x="0" y="0"/>
+          <a:chExt cx="0" cy="0"/>
+        </a:xfrm>
+      </p:grpSpPr>
+      <p:sp>
+        <p:nvSpPr>
+          <p:cNvPr id="2" name="Заголовок 1">
+            <a:extLst>
+              <a:ext uri="{FF2B5EF4-FFF2-40B4-BE49-F238E27FC236}">
+                <a16:creationId xmlns:a16="http://schemas.microsoft.com/office/drawing/2014/main" id="{97182413-DFDF-389F-5697-21D9CF4FB59C}"/>
+              </a:ext>
+            </a:extLst>
+          </p:cNvPr>
+          <p:cNvSpPr>
+            <a:spLocks noGrp="1"/>
+          </p:cNvSpPr>
+          <p:nvPr>
+            <p:ph type="title"/>
+          </p:nvPr>
+        </p:nvSpPr>
+        <p:spPr/>
+        <p:txBody>
+          <a:bodyPr/>
+          <a:lstStyle/>
+          <a:p>
+            <a:r>
+              <a:rPr lang="ru-RU" dirty="0"/>
               <a:t>Самое важное</a:t>
             </a:r>
           </a:p>
@@ -6664,7 +6731,13 @@
   <p:cSld>
     <p:spTree>
       <p:nvGrpSpPr>
-        <p:cNvPr id="1" name=""/>
+        <p:cNvPr id="1" name="">
+          <a:extLst>
+            <a:ext uri="{FF2B5EF4-FFF2-40B4-BE49-F238E27FC236}">
+              <a16:creationId xmlns:a16="http://schemas.microsoft.com/office/drawing/2014/main" id="{B16DEEDB-5A6C-ECCF-199F-74CD86AA3104}"/>
+            </a:ext>
+          </a:extLst>
+        </p:cNvPr>
         <p:cNvGrpSpPr/>
         <p:nvPr/>
       </p:nvGrpSpPr>
@@ -6681,7 +6754,7 @@
           <p:cNvPr id="2" name="Заголовок 1">
             <a:extLst>
               <a:ext uri="{FF2B5EF4-FFF2-40B4-BE49-F238E27FC236}">
-                <a16:creationId xmlns:a16="http://schemas.microsoft.com/office/drawing/2014/main" id="{BB1FA95D-5548-3C96-8C01-882C2CA01016}"/>
+                <a16:creationId xmlns:a16="http://schemas.microsoft.com/office/drawing/2014/main" id="{B57CA4FA-EAB1-0ED6-83B9-0D687AB4296C}"/>
               </a:ext>
             </a:extLst>
           </p:cNvPr>
@@ -6699,13 +6772,8 @@
           <a:p>
             <a:r>
               <a:rPr lang="ru-RU" dirty="0"/>
-              <a:t>В прошлой серии</a:t>
-            </a:r>
-            <a:r>
-              <a:rPr lang="en-US" dirty="0"/>
-              <a:t>…</a:t>
-            </a:r>
-            <a:endParaRPr lang="ru-RU" dirty="0"/>
+              <a:t>Домашка</a:t>
+            </a:r>
           </a:p>
         </p:txBody>
       </p:sp>
@@ -6714,7 +6782,7 @@
           <p:cNvPr id="3" name="Объект 2">
             <a:extLst>
               <a:ext uri="{FF2B5EF4-FFF2-40B4-BE49-F238E27FC236}">
-                <a16:creationId xmlns:a16="http://schemas.microsoft.com/office/drawing/2014/main" id="{66908A5F-3346-6659-B472-F050221D5F6B}"/>
+                <a16:creationId xmlns:a16="http://schemas.microsoft.com/office/drawing/2014/main" id="{797CF5F9-4B40-51E8-A60C-72FF2C0B0B96}"/>
               </a:ext>
             </a:extLst>
           </p:cNvPr>
@@ -6727,152 +6795,9 @@
         </p:nvSpPr>
         <p:spPr/>
         <p:txBody>
-          <a:bodyPr>
-            <a:normAutofit fontScale="92500" lnSpcReduction="10000"/>
-          </a:bodyPr>
-          <a:lstStyle/>
-          <a:p>
-            <a:pPr marL="0" indent="0">
-              <a:buNone/>
-            </a:pPr>
-            <a:r>
-              <a:rPr lang="ru-RU" dirty="0"/>
-              <a:t>Важные атрибуты проекта</a:t>
-            </a:r>
-            <a:r>
-              <a:rPr lang="en-US" dirty="0"/>
-              <a:t>:</a:t>
-            </a:r>
-          </a:p>
-          <a:p>
-            <a:pPr marL="514350" indent="-514350">
-              <a:buFont typeface="+mj-lt"/>
-              <a:buAutoNum type="arabicPeriod"/>
-            </a:pPr>
-            <a:r>
-              <a:rPr lang="ru-RU" dirty="0"/>
-              <a:t>Цель проекта</a:t>
-            </a:r>
-          </a:p>
-          <a:p>
-            <a:pPr marL="514350" indent="-514350">
-              <a:buFont typeface="+mj-lt"/>
-              <a:buAutoNum type="arabicPeriod"/>
-            </a:pPr>
-            <a:r>
-              <a:rPr lang="ru-RU" dirty="0"/>
-              <a:t>Сроки</a:t>
-            </a:r>
-          </a:p>
-          <a:p>
-            <a:pPr marL="514350" indent="-514350">
-              <a:buFont typeface="+mj-lt"/>
-              <a:buAutoNum type="arabicPeriod"/>
-            </a:pPr>
-            <a:r>
-              <a:rPr lang="ru-RU" dirty="0"/>
-              <a:t>Ресурсы</a:t>
-            </a:r>
-          </a:p>
-          <a:p>
-            <a:pPr marL="0" indent="0">
-              <a:buNone/>
-            </a:pPr>
-            <a:r>
-              <a:rPr lang="en-US" dirty="0"/>
-              <a:t>Flow </a:t>
-            </a:r>
-            <a:r>
-              <a:rPr lang="ru-RU" dirty="0"/>
-              <a:t>проекта</a:t>
-            </a:r>
-            <a:r>
-              <a:rPr lang="en-US" dirty="0"/>
-              <a:t>: </a:t>
-            </a:r>
-            <a:r>
-              <a:rPr lang="ru-RU" dirty="0"/>
-              <a:t>инициация </a:t>
-            </a:r>
-            <a:r>
-              <a:rPr lang="en-US" dirty="0"/>
-              <a:t>-&gt; </a:t>
-            </a:r>
-            <a:r>
-              <a:rPr lang="ru-RU" dirty="0"/>
-              <a:t>управление командой </a:t>
-            </a:r>
-            <a:r>
-              <a:rPr lang="en-US" dirty="0"/>
-              <a:t>-&gt; </a:t>
-            </a:r>
-            <a:r>
-              <a:rPr lang="ru-RU" dirty="0"/>
-              <a:t>контроль стадий </a:t>
-            </a:r>
-            <a:r>
-              <a:rPr lang="en-US" dirty="0"/>
-              <a:t>-&gt; </a:t>
-            </a:r>
-            <a:r>
-              <a:rPr lang="ru-RU" dirty="0"/>
-              <a:t>переход на следующий уровень </a:t>
-            </a:r>
-            <a:r>
-              <a:rPr lang="en-US" dirty="0"/>
-              <a:t>| </a:t>
-            </a:r>
-            <a:r>
-              <a:rPr lang="ru-RU" dirty="0"/>
-              <a:t>закрытие проекта</a:t>
-            </a:r>
-          </a:p>
-          <a:p>
-            <a:pPr marL="0" indent="0">
-              <a:buNone/>
-            </a:pPr>
-            <a:r>
-              <a:rPr lang="ru-RU" dirty="0"/>
-              <a:t>Методологии</a:t>
-            </a:r>
-            <a:r>
-              <a:rPr lang="en-US" dirty="0"/>
-              <a:t>:</a:t>
-            </a:r>
-          </a:p>
-          <a:p>
-            <a:pPr marL="514350" indent="-514350">
-              <a:buAutoNum type="arabicPeriod"/>
-            </a:pPr>
-            <a:r>
-              <a:rPr lang="en-US" dirty="0"/>
-              <a:t>Agile (Scrum)</a:t>
-            </a:r>
-          </a:p>
-          <a:p>
-            <a:pPr marL="514350" indent="-514350">
-              <a:buAutoNum type="arabicPeriod"/>
-            </a:pPr>
-            <a:r>
-              <a:rPr lang="en-US" dirty="0"/>
-              <a:t>Kanban</a:t>
-            </a:r>
-          </a:p>
-          <a:p>
-            <a:pPr marL="514350" indent="-514350">
-              <a:buAutoNum type="arabicPeriod"/>
-            </a:pPr>
-            <a:r>
-              <a:rPr lang="en-US" dirty="0"/>
-              <a:t>Waterfall</a:t>
-            </a:r>
-            <a:endParaRPr lang="ru-RU" dirty="0"/>
-          </a:p>
-          <a:p>
-            <a:pPr marL="514350" indent="-514350">
-              <a:buFont typeface="+mj-lt"/>
-              <a:buAutoNum type="arabicPeriod"/>
-            </a:pPr>
+          <a:bodyPr/>
+          <a:lstStyle/>
+          <a:p>
             <a:endParaRPr lang="ru-RU" dirty="0"/>
           </a:p>
         </p:txBody>
@@ -6880,7 +6805,7 @@
     </p:spTree>
     <p:extLst>
       <p:ext uri="{BB962C8B-B14F-4D97-AF65-F5344CB8AC3E}">
-        <p14:creationId xmlns:p14="http://schemas.microsoft.com/office/powerpoint/2010/main" val="1426809908"/>
+        <p14:creationId xmlns:p14="http://schemas.microsoft.com/office/powerpoint/2010/main" val="1131486912"/>
       </p:ext>
     </p:extLst>
   </p:cSld>
@@ -6912,7 +6837,7 @@
           <p:cNvPr id="2" name="Заголовок 1">
             <a:extLst>
               <a:ext uri="{FF2B5EF4-FFF2-40B4-BE49-F238E27FC236}">
-                <a16:creationId xmlns:a16="http://schemas.microsoft.com/office/drawing/2014/main" id="{B4BB569C-2DDC-F142-1957-246720F9A212}"/>
+                <a16:creationId xmlns:a16="http://schemas.microsoft.com/office/drawing/2014/main" id="{BB1FA95D-5548-3C96-8C01-882C2CA01016}"/>
               </a:ext>
             </a:extLst>
           </p:cNvPr>
@@ -6930,7 +6855,7 @@
           <a:p>
             <a:r>
               <a:rPr lang="ru-RU" dirty="0"/>
-              <a:t>Бюджеты проектов</a:t>
+              <a:t>На прошлой паре</a:t>
             </a:r>
           </a:p>
         </p:txBody>
@@ -6940,7 +6865,7 @@
           <p:cNvPr id="3" name="Объект 2">
             <a:extLst>
               <a:ext uri="{FF2B5EF4-FFF2-40B4-BE49-F238E27FC236}">
-                <a16:creationId xmlns:a16="http://schemas.microsoft.com/office/drawing/2014/main" id="{54198AC2-18AE-2779-C624-245A4596A1AA}"/>
+                <a16:creationId xmlns:a16="http://schemas.microsoft.com/office/drawing/2014/main" id="{66908A5F-3346-6659-B472-F050221D5F6B}"/>
               </a:ext>
             </a:extLst>
           </p:cNvPr>
@@ -6953,7 +6878,9 @@
         </p:nvSpPr>
         <p:spPr/>
         <p:txBody>
-          <a:bodyPr/>
+          <a:bodyPr>
+            <a:normAutofit fontScale="92500" lnSpcReduction="10000"/>
+          </a:bodyPr>
           <a:lstStyle/>
           <a:p>
             <a:pPr marL="0" indent="0">
@@ -6961,79 +6888,150 @@
             </a:pPr>
             <a:r>
               <a:rPr lang="ru-RU" dirty="0"/>
-              <a:t>Бюджет проекта – планируемая сумма всех финансовых ресурсов</a:t>
-            </a:r>
-            <a:r>
-              <a:rPr lang="en-US" dirty="0"/>
-              <a:t>, </a:t>
-            </a:r>
-            <a:r>
-              <a:rPr lang="ru-RU" dirty="0"/>
-              <a:t>необходимый для старта</a:t>
-            </a:r>
-            <a:r>
-              <a:rPr lang="en-US" dirty="0"/>
-              <a:t>|</a:t>
-            </a:r>
-            <a:r>
-              <a:rPr lang="ru-RU" dirty="0"/>
-              <a:t>реализации проекта</a:t>
-            </a:r>
-            <a:r>
-              <a:rPr lang="en-US" dirty="0"/>
-              <a:t>.</a:t>
+              <a:t>Важные атрибуты проекта</a:t>
+            </a:r>
+            <a:r>
+              <a:rPr lang="en-US" dirty="0"/>
+              <a:t>:</a:t>
+            </a:r>
+          </a:p>
+          <a:p>
+            <a:pPr marL="514350" indent="-514350">
+              <a:buFont typeface="+mj-lt"/>
+              <a:buAutoNum type="arabicPeriod"/>
+            </a:pPr>
+            <a:r>
+              <a:rPr lang="ru-RU" dirty="0"/>
+              <a:t>Цель проекта</a:t>
+            </a:r>
+          </a:p>
+          <a:p>
+            <a:pPr marL="514350" indent="-514350">
+              <a:buFont typeface="+mj-lt"/>
+              <a:buAutoNum type="arabicPeriod"/>
+            </a:pPr>
+            <a:r>
+              <a:rPr lang="ru-RU" dirty="0"/>
+              <a:t>Сроки</a:t>
+            </a:r>
+          </a:p>
+          <a:p>
+            <a:pPr marL="514350" indent="-514350">
+              <a:buFont typeface="+mj-lt"/>
+              <a:buAutoNum type="arabicPeriod"/>
+            </a:pPr>
+            <a:r>
+              <a:rPr lang="ru-RU" dirty="0"/>
+              <a:t>Ресурсы</a:t>
+            </a:r>
+          </a:p>
+          <a:p>
+            <a:pPr marL="0" indent="0">
+              <a:buNone/>
+            </a:pPr>
+            <a:r>
+              <a:rPr lang="en-US" dirty="0"/>
+              <a:t>Flow </a:t>
+            </a:r>
+            <a:r>
+              <a:rPr lang="ru-RU" dirty="0"/>
+              <a:t>проекта</a:t>
+            </a:r>
+            <a:r>
+              <a:rPr lang="en-US" dirty="0"/>
+              <a:t>: </a:t>
+            </a:r>
+            <a:r>
+              <a:rPr lang="ru-RU" dirty="0"/>
+              <a:t>инициация </a:t>
+            </a:r>
+            <a:r>
+              <a:rPr lang="en-US" dirty="0"/>
+              <a:t>-&gt; </a:t>
+            </a:r>
+            <a:r>
+              <a:rPr lang="ru-RU" dirty="0"/>
+              <a:t>управление командой </a:t>
+            </a:r>
+            <a:r>
+              <a:rPr lang="en-US" dirty="0"/>
+              <a:t>-&gt; </a:t>
+            </a:r>
+            <a:r>
+              <a:rPr lang="ru-RU" dirty="0"/>
+              <a:t>контроль стадий </a:t>
+            </a:r>
+            <a:r>
+              <a:rPr lang="en-US" dirty="0"/>
+              <a:t>-&gt; </a:t>
+            </a:r>
+            <a:r>
+              <a:rPr lang="ru-RU" dirty="0"/>
+              <a:t>переход на следующий уровень </a:t>
+            </a:r>
+            <a:r>
+              <a:rPr lang="en-US" dirty="0"/>
+              <a:t>| </a:t>
+            </a:r>
+            <a:r>
+              <a:rPr lang="ru-RU" dirty="0"/>
+              <a:t>закрытие проекта</a:t>
+            </a:r>
+          </a:p>
+          <a:p>
+            <a:pPr marL="0" indent="0">
+              <a:buNone/>
+            </a:pPr>
+            <a:r>
+              <a:rPr lang="ru-RU" dirty="0"/>
+              <a:t>Методологии</a:t>
+            </a:r>
+            <a:r>
+              <a:rPr lang="en-US" dirty="0"/>
+              <a:t>:</a:t>
+            </a:r>
+          </a:p>
+          <a:p>
+            <a:pPr marL="514350" indent="-514350">
+              <a:buAutoNum type="arabicPeriod"/>
+            </a:pPr>
+            <a:r>
+              <a:rPr lang="en-US" dirty="0"/>
+              <a:t>Agile (Scrum)</a:t>
+            </a:r>
+          </a:p>
+          <a:p>
+            <a:pPr marL="514350" indent="-514350">
+              <a:buAutoNum type="arabicPeriod"/>
+            </a:pPr>
+            <a:r>
+              <a:rPr lang="en-US" dirty="0"/>
+              <a:t>Kanban</a:t>
+            </a:r>
+          </a:p>
+          <a:p>
+            <a:pPr marL="514350" indent="-514350">
+              <a:buAutoNum type="arabicPeriod"/>
+            </a:pPr>
+            <a:r>
+              <a:rPr lang="en-US" dirty="0"/>
+              <a:t>Waterfall</a:t>
             </a:r>
             <a:endParaRPr lang="ru-RU" dirty="0"/>
           </a:p>
           <a:p>
-            <a:pPr marL="0" indent="0">
-              <a:buNone/>
+            <a:pPr marL="514350" indent="-514350">
+              <a:buFont typeface="+mj-lt"/>
+              <a:buAutoNum type="arabicPeriod"/>
             </a:pPr>
             <a:endParaRPr lang="ru-RU" dirty="0"/>
-          </a:p>
-          <a:p>
-            <a:pPr marL="0" indent="0">
-              <a:buNone/>
-            </a:pPr>
-            <a:r>
-              <a:rPr lang="ru-RU" dirty="0"/>
-              <a:t>То есть</a:t>
-            </a:r>
-            <a:r>
-              <a:rPr lang="en-US" dirty="0"/>
-              <a:t>, </a:t>
-            </a:r>
-            <a:r>
-              <a:rPr lang="ru-RU" dirty="0"/>
-              <a:t>предварительная оценка всех расходов направленных на реализацию проекта</a:t>
-            </a:r>
-            <a:r>
-              <a:rPr lang="en-US" dirty="0"/>
-              <a:t>.</a:t>
-            </a:r>
-          </a:p>
-          <a:p>
-            <a:pPr marL="0" indent="0">
-              <a:buNone/>
-            </a:pPr>
-            <a:endParaRPr lang="en-US" dirty="0"/>
-          </a:p>
-          <a:p>
-            <a:pPr marL="0" indent="0">
-              <a:buNone/>
-            </a:pPr>
-            <a:r>
-              <a:rPr lang="ru-RU" dirty="0"/>
-              <a:t>Смета проекта – сумма всех фактических трат проекта</a:t>
-            </a:r>
-            <a:endParaRPr lang="en-US" dirty="0"/>
           </a:p>
         </p:txBody>
       </p:sp>
     </p:spTree>
     <p:extLst>
       <p:ext uri="{BB962C8B-B14F-4D97-AF65-F5344CB8AC3E}">
-        <p14:creationId xmlns:p14="http://schemas.microsoft.com/office/powerpoint/2010/main" val="1156626036"/>
+        <p14:creationId xmlns:p14="http://schemas.microsoft.com/office/powerpoint/2010/main" val="1426809908"/>
       </p:ext>
     </p:extLst>
   </p:cSld>
@@ -7083,7 +7081,7 @@
           <a:p>
             <a:r>
               <a:rPr lang="ru-RU" dirty="0"/>
-              <a:t>Проще говоря</a:t>
+              <a:t>Бюджеты проектов</a:t>
             </a:r>
           </a:p>
         </p:txBody>
@@ -7114,16 +7112,70 @@
             </a:pPr>
             <a:r>
               <a:rPr lang="ru-RU" dirty="0"/>
-              <a:t>Бюджет = планируем заранее</a:t>
-            </a:r>
+              <a:t>Бюджет проекта – планируемая сумма всех финансовых ресурсов</a:t>
+            </a:r>
+            <a:r>
+              <a:rPr lang="en-US" dirty="0"/>
+              <a:t>, </a:t>
+            </a:r>
+            <a:r>
+              <a:rPr lang="ru-RU" dirty="0"/>
+              <a:t>необходимый для старта</a:t>
+            </a:r>
+            <a:r>
+              <a:rPr lang="en-US" dirty="0"/>
+              <a:t>|</a:t>
+            </a:r>
+            <a:r>
+              <a:rPr lang="ru-RU" dirty="0"/>
+              <a:t>реализации проекта</a:t>
+            </a:r>
+            <a:r>
+              <a:rPr lang="en-US" dirty="0"/>
+              <a:t>.</a:t>
+            </a:r>
+            <a:endParaRPr lang="ru-RU" dirty="0"/>
           </a:p>
           <a:p>
             <a:pPr marL="0" indent="0">
               <a:buNone/>
             </a:pPr>
-            <a:r>
-              <a:rPr lang="ru-RU" dirty="0"/>
-              <a:t>Смета = рассчитываем точно</a:t>
+            <a:endParaRPr lang="ru-RU" dirty="0"/>
+          </a:p>
+          <a:p>
+            <a:pPr marL="0" indent="0">
+              <a:buNone/>
+            </a:pPr>
+            <a:r>
+              <a:rPr lang="ru-RU" dirty="0"/>
+              <a:t>То есть</a:t>
+            </a:r>
+            <a:r>
+              <a:rPr lang="en-US" dirty="0"/>
+              <a:t>, </a:t>
+            </a:r>
+            <a:r>
+              <a:rPr lang="ru-RU" dirty="0"/>
+              <a:t>предварительная оценка всех расходов направленных на реализацию проекта</a:t>
+            </a:r>
+            <a:r>
+              <a:rPr lang="en-US" dirty="0"/>
+              <a:t>.</a:t>
+            </a:r>
+          </a:p>
+          <a:p>
+            <a:pPr marL="0" indent="0">
+              <a:buNone/>
+            </a:pPr>
+            <a:endParaRPr lang="en-US" dirty="0"/>
+          </a:p>
+          <a:p>
+            <a:pPr marL="0" indent="0">
+              <a:buNone/>
+            </a:pPr>
+            <a:r>
+              <a:rPr lang="ru-RU" dirty="0"/>
+              <a:t>Смета проекта – сумма всех фактических трат проекта</a:t>
             </a:r>
             <a:endParaRPr lang="en-US" dirty="0"/>
           </a:p>
@@ -7132,7 +7184,7 @@
     </p:spTree>
     <p:extLst>
       <p:ext uri="{BB962C8B-B14F-4D97-AF65-F5344CB8AC3E}">
-        <p14:creationId xmlns:p14="http://schemas.microsoft.com/office/powerpoint/2010/main" val="4225645200"/>
+        <p14:creationId xmlns:p14="http://schemas.microsoft.com/office/powerpoint/2010/main" val="1156626036"/>
       </p:ext>
     </p:extLst>
   </p:cSld>
@@ -7164,7 +7216,7 @@
           <p:cNvPr id="2" name="Заголовок 1">
             <a:extLst>
               <a:ext uri="{FF2B5EF4-FFF2-40B4-BE49-F238E27FC236}">
-                <a16:creationId xmlns:a16="http://schemas.microsoft.com/office/drawing/2014/main" id="{97182413-DFDF-389F-5697-21D9CF4FB59C}"/>
+                <a16:creationId xmlns:a16="http://schemas.microsoft.com/office/drawing/2014/main" id="{B4BB569C-2DDC-F142-1957-246720F9A212}"/>
               </a:ext>
             </a:extLst>
           </p:cNvPr>
@@ -7182,13 +7234,8 @@
           <a:p>
             <a:r>
               <a:rPr lang="ru-RU" dirty="0"/>
-              <a:t>А как считать</a:t>
-            </a:r>
-            <a:r>
-              <a:rPr lang="en-US" dirty="0"/>
-              <a:t>?</a:t>
-            </a:r>
-            <a:endParaRPr lang="ru-RU" dirty="0"/>
+              <a:t>Проще говоря</a:t>
+            </a:r>
           </a:p>
         </p:txBody>
       </p:sp>
@@ -7197,7 +7244,7 @@
           <p:cNvPr id="3" name="Объект 2">
             <a:extLst>
               <a:ext uri="{FF2B5EF4-FFF2-40B4-BE49-F238E27FC236}">
-                <a16:creationId xmlns:a16="http://schemas.microsoft.com/office/drawing/2014/main" id="{0CCC7D2F-3711-2152-69C5-828B72059726}"/>
+                <a16:creationId xmlns:a16="http://schemas.microsoft.com/office/drawing/2014/main" id="{54198AC2-18AE-2779-C624-245A4596A1AA}"/>
               </a:ext>
             </a:extLst>
           </p:cNvPr>
@@ -7218,180 +7265,25 @@
             </a:pPr>
             <a:r>
               <a:rPr lang="ru-RU" dirty="0"/>
-              <a:t>Затратная часть включает</a:t>
-            </a:r>
-            <a:r>
-              <a:rPr lang="en-US" dirty="0"/>
-              <a:t>:</a:t>
-            </a:r>
-          </a:p>
-          <a:p>
-            <a:pPr marL="514350" indent="-514350">
-              <a:buFont typeface="+mj-lt"/>
-              <a:buAutoNum type="arabicPeriod"/>
-            </a:pPr>
-            <a:r>
-              <a:rPr lang="ru-RU" dirty="0"/>
-              <a:t>Зарплаты сотрудников</a:t>
-            </a:r>
-            <a:r>
-              <a:rPr lang="en-US" dirty="0"/>
-              <a:t> (</a:t>
-            </a:r>
-            <a:r>
-              <a:rPr lang="ru-RU" dirty="0"/>
-              <a:t>часы работы</a:t>
-            </a:r>
-            <a:r>
-              <a:rPr lang="en-US" dirty="0"/>
-              <a:t>, </a:t>
-            </a:r>
-            <a:r>
-              <a:rPr lang="ru-RU" dirty="0"/>
-              <a:t>оплата труда команды)</a:t>
-            </a:r>
-          </a:p>
-          <a:p>
-            <a:pPr marL="514350" indent="-514350">
-              <a:buFont typeface="+mj-lt"/>
-              <a:buAutoNum type="arabicPeriod"/>
-            </a:pPr>
-            <a:r>
-              <a:rPr lang="ru-RU" dirty="0"/>
-              <a:t>Материалы и оборудование (кирпичи</a:t>
-            </a:r>
-            <a:r>
-              <a:rPr lang="en-US" dirty="0"/>
-              <a:t>, </a:t>
-            </a:r>
-            <a:r>
-              <a:rPr lang="ru-RU" dirty="0"/>
-              <a:t>бетон</a:t>
-            </a:r>
-            <a:r>
-              <a:rPr lang="en-US" dirty="0"/>
-              <a:t>, </a:t>
-            </a:r>
-            <a:r>
-              <a:rPr lang="ru-RU" dirty="0"/>
-              <a:t>ремонт</a:t>
-            </a:r>
-            <a:r>
-              <a:rPr lang="en-US" dirty="0"/>
-              <a:t>. </a:t>
-            </a:r>
-            <a:r>
-              <a:rPr lang="ru-RU" dirty="0"/>
-              <a:t>Для </a:t>
-            </a:r>
-            <a:r>
-              <a:rPr lang="en-US" dirty="0"/>
-              <a:t>IT – </a:t>
-            </a:r>
-            <a:r>
-              <a:rPr lang="ru-RU" dirty="0"/>
-              <a:t>софт</a:t>
-            </a:r>
-            <a:r>
-              <a:rPr lang="en-US" dirty="0"/>
-              <a:t>, </a:t>
-            </a:r>
-            <a:r>
-              <a:rPr lang="ru-RU" dirty="0"/>
-              <a:t>лицензии)</a:t>
-            </a:r>
-          </a:p>
-          <a:p>
-            <a:pPr marL="514350" indent="-514350">
-              <a:buFont typeface="+mj-lt"/>
-              <a:buAutoNum type="arabicPeriod"/>
-            </a:pPr>
-            <a:r>
-              <a:rPr lang="ru-RU" dirty="0"/>
-              <a:t>Аренда услуг (офис</a:t>
-            </a:r>
-            <a:r>
-              <a:rPr lang="en-US" dirty="0"/>
-              <a:t>, </a:t>
-            </a:r>
-            <a:r>
-              <a:rPr lang="ru-RU" dirty="0"/>
-              <a:t>интернет</a:t>
-            </a:r>
-            <a:r>
-              <a:rPr lang="en-US" dirty="0"/>
-              <a:t>, </a:t>
-            </a:r>
-            <a:r>
-              <a:rPr lang="ru-RU" dirty="0"/>
-              <a:t>коммунальные услуги)</a:t>
-            </a:r>
-          </a:p>
-          <a:p>
-            <a:pPr marL="514350" indent="-514350">
-              <a:buFont typeface="+mj-lt"/>
-              <a:buAutoNum type="arabicPeriod"/>
-            </a:pPr>
-            <a:r>
-              <a:rPr lang="ru-RU" dirty="0"/>
-              <a:t>Маркетинг и реклама (продвижение продукта</a:t>
-            </a:r>
-            <a:r>
-              <a:rPr lang="en-US" dirty="0"/>
-              <a:t>, </a:t>
-            </a:r>
-            <a:r>
-              <a:rPr lang="ru-RU" dirty="0"/>
-              <a:t>реклама)</a:t>
-            </a:r>
-          </a:p>
-          <a:p>
-            <a:pPr marL="514350" indent="-514350">
-              <a:buFont typeface="+mj-lt"/>
-              <a:buAutoNum type="arabicPeriod"/>
-            </a:pPr>
-            <a:r>
-              <a:rPr lang="ru-RU" dirty="0"/>
-              <a:t>Риски (непредвиденные обстоятельства</a:t>
-            </a:r>
-            <a:r>
-              <a:rPr lang="en-US" dirty="0"/>
-              <a:t>, </a:t>
-            </a:r>
-            <a:r>
-              <a:rPr lang="ru-RU" dirty="0"/>
-              <a:t>резервы)</a:t>
-            </a:r>
-          </a:p>
-          <a:p>
-            <a:pPr marL="514350" indent="-514350">
-              <a:buFont typeface="+mj-lt"/>
-              <a:buAutoNum type="arabicPeriod"/>
-            </a:pPr>
-            <a:r>
-              <a:rPr lang="ru-RU" dirty="0"/>
-              <a:t>Налоги</a:t>
-            </a:r>
-          </a:p>
-          <a:p>
-            <a:pPr marL="514350" indent="-514350">
-              <a:buFont typeface="+mj-lt"/>
-              <a:buAutoNum type="arabicPeriod"/>
-            </a:pPr>
+              <a:t>Бюджет = планируем заранее</a:t>
+            </a:r>
+          </a:p>
+          <a:p>
+            <a:pPr marL="0" indent="0">
+              <a:buNone/>
+            </a:pPr>
+            <a:r>
+              <a:rPr lang="ru-RU" dirty="0"/>
+              <a:t>Смета = рассчитываем точно</a:t>
+            </a:r>
             <a:endParaRPr lang="en-US" dirty="0"/>
-          </a:p>
-          <a:p>
-            <a:pPr marL="0" indent="0">
-              <a:buNone/>
-            </a:pPr>
-            <a:endParaRPr lang="ru-RU" dirty="0"/>
           </a:p>
         </p:txBody>
       </p:sp>
     </p:spTree>
     <p:extLst>
       <p:ext uri="{BB962C8B-B14F-4D97-AF65-F5344CB8AC3E}">
-        <p14:creationId xmlns:p14="http://schemas.microsoft.com/office/powerpoint/2010/main" val="1049281333"/>
+        <p14:creationId xmlns:p14="http://schemas.microsoft.com/office/powerpoint/2010/main" val="4225645200"/>
       </p:ext>
     </p:extLst>
   </p:cSld>
@@ -7441,8 +7333,13 @@
           <a:p>
             <a:r>
               <a:rPr lang="ru-RU" dirty="0"/>
-              <a:t>Типы бюджетов</a:t>
-            </a:r>
+              <a:t>А как считать</a:t>
+            </a:r>
+            <a:r>
+              <a:rPr lang="en-US" dirty="0"/>
+              <a:t>?</a:t>
+            </a:r>
+            <a:endParaRPr lang="ru-RU" dirty="0"/>
           </a:p>
         </p:txBody>
       </p:sp>
@@ -7466,26 +7363,43 @@
         <p:txBody>
           <a:bodyPr/>
           <a:lstStyle/>
+          <a:p>
+            <a:pPr marL="0" indent="0">
+              <a:buNone/>
+            </a:pPr>
+            <a:r>
+              <a:rPr lang="ru-RU" dirty="0"/>
+              <a:t>Затратная часть включает</a:t>
+            </a:r>
+            <a:r>
+              <a:rPr lang="en-US" dirty="0"/>
+              <a:t>:</a:t>
+            </a:r>
+          </a:p>
           <a:p>
             <a:pPr marL="514350" indent="-514350">
               <a:buFont typeface="+mj-lt"/>
               <a:buAutoNum type="arabicPeriod"/>
             </a:pPr>
             <a:r>
-              <a:rPr lang="en-US" dirty="0"/>
-              <a:t>Fixed</a:t>
-            </a:r>
-            <a:r>
-              <a:rPr lang="ru-RU" dirty="0"/>
-              <a:t> </a:t>
-            </a:r>
-            <a:r>
-              <a:rPr lang="en-US" dirty="0"/>
-              <a:t>Price – </a:t>
-            </a:r>
-            <a:r>
-              <a:rPr lang="ru-RU" dirty="0"/>
-              <a:t>фиксированный бюджет</a:t>
+              <a:rPr lang="ru-RU" dirty="0"/>
+              <a:t>Зарплаты сотрудников</a:t>
+            </a:r>
+            <a:r>
+              <a:rPr lang="en-US" dirty="0"/>
+              <a:t> (</a:t>
+            </a:r>
+            <a:r>
+              <a:rPr lang="ru-RU" dirty="0"/>
+              <a:t>часы работы</a:t>
+            </a:r>
+            <a:r>
+              <a:rPr lang="en-US" dirty="0"/>
+              <a:t>, </a:t>
+            </a:r>
+            <a:r>
+              <a:rPr lang="ru-RU" dirty="0"/>
+              <a:t>оплата труда команды)</a:t>
             </a:r>
           </a:p>
           <a:p>
@@ -7494,16 +7408,48 @@
               <a:buAutoNum type="arabicPeriod"/>
             </a:pPr>
             <a:r>
-              <a:rPr lang="en-US" dirty="0" err="1"/>
-              <a:t>Time&amp;Material</a:t>
-            </a:r>
-            <a:r>
-              <a:rPr lang="en-US" dirty="0"/>
-              <a:t> – </a:t>
-            </a:r>
-            <a:r>
-              <a:rPr lang="ru-RU" dirty="0"/>
-              <a:t>по времени и материалам</a:t>
+              <a:rPr lang="ru-RU" dirty="0"/>
+              <a:t>Материалы и оборудование (кирпичи</a:t>
+            </a:r>
+            <a:r>
+              <a:rPr lang="en-US" dirty="0"/>
+              <a:t>, </a:t>
+            </a:r>
+            <a:r>
+              <a:rPr lang="ru-RU" dirty="0"/>
+              <a:t>бетон</a:t>
+            </a:r>
+            <a:r>
+              <a:rPr lang="en-US" dirty="0"/>
+              <a:t>, </a:t>
+            </a:r>
+            <a:r>
+              <a:rPr lang="ru-RU" dirty="0"/>
+              <a:t>ремонт</a:t>
+            </a:r>
+            <a:r>
+              <a:rPr lang="en-US" dirty="0"/>
+              <a:t>. </a:t>
+            </a:r>
+            <a:r>
+              <a:rPr lang="ru-RU" dirty="0"/>
+              <a:t>Для </a:t>
+            </a:r>
+            <a:r>
+              <a:rPr lang="en-US" dirty="0"/>
+              <a:t>IT – </a:t>
+            </a:r>
+            <a:r>
+              <a:rPr lang="ru-RU" dirty="0"/>
+              <a:t>софт</a:t>
+            </a:r>
+            <a:r>
+              <a:rPr lang="en-US" dirty="0"/>
+              <a:t>, </a:t>
+            </a:r>
+            <a:r>
+              <a:rPr lang="ru-RU" dirty="0"/>
+              <a:t>лицензии)</a:t>
             </a:r>
           </a:p>
           <a:p>
@@ -7512,12 +7458,8 @@
               <a:buAutoNum type="arabicPeriod"/>
             </a:pPr>
             <a:r>
-              <a:rPr lang="en-US" dirty="0"/>
-              <a:t>Agile-</a:t>
-            </a:r>
-            <a:r>
-              <a:rPr lang="ru-RU" dirty="0"/>
-              <a:t>бюджеты – по спринтам</a:t>
+              <a:rPr lang="ru-RU" dirty="0"/>
+              <a:t>Аренда услуг (офис</a:t>
             </a:r>
             <a:r>
               <a:rPr lang="en-US" dirty="0"/>
@@ -7525,7 +7467,7 @@
             </a:r>
             <a:r>
               <a:rPr lang="ru-RU" dirty="0"/>
-              <a:t>этапам</a:t>
+              <a:t>интернет</a:t>
             </a:r>
             <a:r>
               <a:rPr lang="en-US" dirty="0"/>
@@ -7533,12 +7475,66 @@
             </a:r>
             <a:r>
               <a:rPr lang="ru-RU" dirty="0"/>
-              <a:t>фичам</a:t>
-            </a:r>
-            <a:r>
-              <a:rPr lang="en-US" dirty="0"/>
-              <a:t>, …</a:t>
-            </a:r>
+              <a:t>коммунальные услуги)</a:t>
+            </a:r>
+          </a:p>
+          <a:p>
+            <a:pPr marL="514350" indent="-514350">
+              <a:buFont typeface="+mj-lt"/>
+              <a:buAutoNum type="arabicPeriod"/>
+            </a:pPr>
+            <a:r>
+              <a:rPr lang="ru-RU" dirty="0"/>
+              <a:t>Маркетинг и реклама (продвижение продукта</a:t>
+            </a:r>
+            <a:r>
+              <a:rPr lang="en-US" dirty="0"/>
+              <a:t>, </a:t>
+            </a:r>
+            <a:r>
+              <a:rPr lang="ru-RU" dirty="0"/>
+              <a:t>реклама)</a:t>
+            </a:r>
+          </a:p>
+          <a:p>
+            <a:pPr marL="514350" indent="-514350">
+              <a:buFont typeface="+mj-lt"/>
+              <a:buAutoNum type="arabicPeriod"/>
+            </a:pPr>
+            <a:r>
+              <a:rPr lang="ru-RU" dirty="0"/>
+              <a:t>Риски (непредвиденные обстоятельства</a:t>
+            </a:r>
+            <a:r>
+              <a:rPr lang="en-US" dirty="0"/>
+              <a:t>, </a:t>
+            </a:r>
+            <a:r>
+              <a:rPr lang="ru-RU" dirty="0"/>
+              <a:t>резервы)</a:t>
+            </a:r>
+          </a:p>
+          <a:p>
+            <a:pPr marL="514350" indent="-514350">
+              <a:buFont typeface="+mj-lt"/>
+              <a:buAutoNum type="arabicPeriod"/>
+            </a:pPr>
+            <a:r>
+              <a:rPr lang="ru-RU" dirty="0"/>
+              <a:t>Налоги</a:t>
+            </a:r>
+          </a:p>
+          <a:p>
+            <a:pPr marL="514350" indent="-514350">
+              <a:buFont typeface="+mj-lt"/>
+              <a:buAutoNum type="arabicPeriod"/>
+            </a:pPr>
+            <a:endParaRPr lang="en-US" dirty="0"/>
+          </a:p>
+          <a:p>
+            <a:pPr marL="0" indent="0">
+              <a:buNone/>
+            </a:pPr>
             <a:endParaRPr lang="ru-RU" dirty="0"/>
           </a:p>
         </p:txBody>
@@ -7546,7 +7542,7 @@
     </p:spTree>
     <p:extLst>
       <p:ext uri="{BB962C8B-B14F-4D97-AF65-F5344CB8AC3E}">
-        <p14:creationId xmlns:p14="http://schemas.microsoft.com/office/powerpoint/2010/main" val="2846462064"/>
+        <p14:creationId xmlns:p14="http://schemas.microsoft.com/office/powerpoint/2010/main" val="1049281333"/>
       </p:ext>
     </p:extLst>
   </p:cSld>
@@ -7595,10 +7591,9 @@
           <a:lstStyle/>
           <a:p>
             <a:r>
-              <a:rPr lang="en-US" dirty="0"/>
-              <a:t>Fixed Price</a:t>
-            </a:r>
-            <a:endParaRPr lang="ru-RU" dirty="0"/>
+              <a:rPr lang="ru-RU" dirty="0"/>
+              <a:t>Типы бюджетов</a:t>
+            </a:r>
           </a:p>
         </p:txBody>
       </p:sp>
@@ -7628,8 +7623,20 @@
               <a:buAutoNum type="arabicPeriod"/>
             </a:pPr>
             <a:r>
-              <a:rPr lang="ru-RU" dirty="0"/>
-              <a:t>Четко определены требования (любые изменения требует доп. Соглашений)</a:t>
+              <a:rPr lang="en-US" dirty="0"/>
+              <a:t>Fixed</a:t>
+            </a:r>
+            <a:r>
+              <a:rPr lang="ru-RU" dirty="0"/>
+              <a:t> </a:t>
+            </a:r>
+            <a:r>
+              <a:rPr lang="en-US" dirty="0"/>
+              <a:t>Price – </a:t>
+            </a:r>
+            <a:r>
+              <a:rPr lang="ru-RU" dirty="0"/>
+              <a:t>фиксированный бюджет</a:t>
             </a:r>
           </a:p>
           <a:p>
@@ -7638,27 +7645,16 @@
               <a:buAutoNum type="arabicPeriod"/>
             </a:pPr>
             <a:r>
-              <a:rPr lang="ru-RU" dirty="0"/>
-              <a:t>Четко обозначена сумма и срок выполнения</a:t>
-            </a:r>
-          </a:p>
-          <a:p>
-            <a:pPr marL="0" indent="0">
-              <a:buNone/>
-            </a:pPr>
-            <a:endParaRPr lang="ru-RU" dirty="0"/>
-          </a:p>
-          <a:p>
-            <a:pPr marL="0" indent="0">
-              <a:buNone/>
-            </a:pPr>
-            <a:r>
-              <a:rPr lang="ru-RU" dirty="0"/>
-              <a:t>Когда применять</a:t>
-            </a:r>
-            <a:r>
-              <a:rPr lang="en-US" dirty="0"/>
-              <a:t>?</a:t>
+              <a:rPr lang="en-US" dirty="0" err="1"/>
+              <a:t>Time&amp;Material</a:t>
+            </a:r>
+            <a:r>
+              <a:rPr lang="en-US" dirty="0"/>
+              <a:t> – </a:t>
+            </a:r>
+            <a:r>
+              <a:rPr lang="ru-RU" dirty="0"/>
+              <a:t>по времени и материалам</a:t>
             </a:r>
           </a:p>
           <a:p>
@@ -7667,24 +7663,33 @@
               <a:buAutoNum type="arabicPeriod"/>
             </a:pPr>
             <a:r>
-              <a:rPr lang="ru-RU" dirty="0"/>
-              <a:t>Требования четко определены и понятны</a:t>
-            </a:r>
-          </a:p>
-          <a:p>
-            <a:pPr marL="514350" indent="-514350">
-              <a:buFont typeface="+mj-lt"/>
-              <a:buAutoNum type="arabicPeriod"/>
-            </a:pPr>
-            <a:r>
-              <a:rPr lang="ru-RU" dirty="0"/>
-              <a:t>Результат легко оценить заранее</a:t>
-            </a:r>
-          </a:p>
-          <a:p>
-            <a:pPr marL="0" indent="0">
-              <a:buNone/>
-            </a:pPr>
+              <a:rPr lang="en-US" dirty="0"/>
+              <a:t>Agile-</a:t>
+            </a:r>
+            <a:r>
+              <a:rPr lang="ru-RU" dirty="0"/>
+              <a:t>бюджеты – по спринтам</a:t>
+            </a:r>
+            <a:r>
+              <a:rPr lang="en-US" dirty="0"/>
+              <a:t>, </a:t>
+            </a:r>
+            <a:r>
+              <a:rPr lang="ru-RU" dirty="0"/>
+              <a:t>этапам</a:t>
+            </a:r>
+            <a:r>
+              <a:rPr lang="en-US" dirty="0"/>
+              <a:t>, </a:t>
+            </a:r>
+            <a:r>
+              <a:rPr lang="ru-RU" dirty="0"/>
+              <a:t>фичам</a:t>
+            </a:r>
+            <a:r>
+              <a:rPr lang="en-US" dirty="0"/>
+              <a:t>, …</a:t>
+            </a:r>
             <a:endParaRPr lang="ru-RU" dirty="0"/>
           </a:p>
         </p:txBody>
@@ -7692,7 +7697,7 @@
     </p:spTree>
     <p:extLst>
       <p:ext uri="{BB962C8B-B14F-4D97-AF65-F5344CB8AC3E}">
-        <p14:creationId xmlns:p14="http://schemas.microsoft.com/office/powerpoint/2010/main" val="1863640231"/>
+        <p14:creationId xmlns:p14="http://schemas.microsoft.com/office/powerpoint/2010/main" val="2846462064"/>
       </p:ext>
     </p:extLst>
   </p:cSld>
@@ -7744,53 +7749,91 @@
               <a:rPr lang="en-US" dirty="0"/>
               <a:t>Fixed Price</a:t>
             </a:r>
-            <a:r>
-              <a:rPr lang="ru-RU" dirty="0"/>
-              <a:t> (предложите идеи)</a:t>
-            </a:r>
-          </a:p>
-        </p:txBody>
-      </p:sp>
-      <p:sp>
-        <p:nvSpPr>
-          <p:cNvPr id="7" name="AutoShape 8" descr="🇰🇬барабанная дробь on X: &quot;КРЕМНИЕВАЯ ДОЛИНААААА #S5E1&quot; / X">
-            <a:extLst>
-              <a:ext uri="{FF2B5EF4-FFF2-40B4-BE49-F238E27FC236}">
-                <a16:creationId xmlns:a16="http://schemas.microsoft.com/office/drawing/2014/main" id="{F2150161-4A4C-DE20-1B72-60790DDF08A1}"/>
-              </a:ext>
-            </a:extLst>
-          </p:cNvPr>
-          <p:cNvSpPr>
-            <a:spLocks noGrp="1" noChangeAspect="1" noChangeArrowheads="1"/>
+            <a:endParaRPr lang="ru-RU" dirty="0"/>
+          </a:p>
+        </p:txBody>
+      </p:sp>
+      <p:sp>
+        <p:nvSpPr>
+          <p:cNvPr id="3" name="Объект 2">
+            <a:extLst>
+              <a:ext uri="{FF2B5EF4-FFF2-40B4-BE49-F238E27FC236}">
+                <a16:creationId xmlns:a16="http://schemas.microsoft.com/office/drawing/2014/main" id="{0CCC7D2F-3711-2152-69C5-828B72059726}"/>
+              </a:ext>
+            </a:extLst>
+          </p:cNvPr>
+          <p:cNvSpPr>
+            <a:spLocks noGrp="1"/>
           </p:cNvSpPr>
           <p:nvPr>
             <p:ph idx="1"/>
           </p:nvPr>
         </p:nvSpPr>
-        <p:spPr bwMode="auto">
-          <a:prstGeom prst="rect">
-            <a:avLst/>
-          </a:prstGeom>
-          <a:noFill/>
-          <a:extLst>
-            <a:ext uri="{909E8E84-426E-40DD-AFC4-6F175D3DCCD1}">
-              <a14:hiddenFill xmlns:a14="http://schemas.microsoft.com/office/drawing/2010/main">
-                <a:solidFill>
-                  <a:srgbClr val="FFFFFF"/>
-                </a:solidFill>
-              </a14:hiddenFill>
-            </a:ext>
-          </a:extLst>
-        </p:spPr>
-        <p:txBody>
-          <a:bodyPr vert="horz" wrap="square" lIns="91440" tIns="45720" rIns="91440" bIns="45720" numCol="1" anchor="t" anchorCtr="0" compatLnSpc="1">
-            <a:prstTxWarp prst="textNoShape">
-              <a:avLst/>
-            </a:prstTxWarp>
-          </a:bodyPr>
-          <a:lstStyle/>
-          <a:p>
-            <a:pPr marL="0" indent="0" algn="ctr">
+        <p:spPr/>
+        <p:txBody>
+          <a:bodyPr/>
+          <a:lstStyle/>
+          <a:p>
+            <a:pPr marL="514350" indent="-514350">
+              <a:buFont typeface="+mj-lt"/>
+              <a:buAutoNum type="arabicPeriod"/>
+            </a:pPr>
+            <a:r>
+              <a:rPr lang="ru-RU" dirty="0"/>
+              <a:t>Четко определены требования (любые изменения требует доп. Соглашений)</a:t>
+            </a:r>
+          </a:p>
+          <a:p>
+            <a:pPr marL="514350" indent="-514350">
+              <a:buFont typeface="+mj-lt"/>
+              <a:buAutoNum type="arabicPeriod"/>
+            </a:pPr>
+            <a:r>
+              <a:rPr lang="ru-RU" dirty="0"/>
+              <a:t>Четко обозначена сумма и срок выполнения</a:t>
+            </a:r>
+          </a:p>
+          <a:p>
+            <a:pPr marL="0" indent="0">
+              <a:buNone/>
+            </a:pPr>
+            <a:endParaRPr lang="ru-RU" dirty="0"/>
+          </a:p>
+          <a:p>
+            <a:pPr marL="0" indent="0">
+              <a:buNone/>
+            </a:pPr>
+            <a:r>
+              <a:rPr lang="ru-RU" dirty="0"/>
+              <a:t>Когда применять</a:t>
+            </a:r>
+            <a:r>
+              <a:rPr lang="en-US" dirty="0"/>
+              <a:t>?</a:t>
+            </a:r>
+          </a:p>
+          <a:p>
+            <a:pPr marL="514350" indent="-514350">
+              <a:buFont typeface="+mj-lt"/>
+              <a:buAutoNum type="arabicPeriod"/>
+            </a:pPr>
+            <a:r>
+              <a:rPr lang="ru-RU" dirty="0"/>
+              <a:t>Требования четко определены и понятны</a:t>
+            </a:r>
+          </a:p>
+          <a:p>
+            <a:pPr marL="514350" indent="-514350">
+              <a:buFont typeface="+mj-lt"/>
+              <a:buAutoNum type="arabicPeriod"/>
+            </a:pPr>
+            <a:r>
+              <a:rPr lang="ru-RU" dirty="0"/>
+              <a:t>Результат легко оценить заранее</a:t>
+            </a:r>
+          </a:p>
+          <a:p>
+            <a:pPr marL="0" indent="0">
               <a:buNone/>
             </a:pPr>
             <a:endParaRPr lang="ru-RU" dirty="0"/>
@@ -7800,7 +7843,7 @@
     </p:spTree>
     <p:extLst>
       <p:ext uri="{BB962C8B-B14F-4D97-AF65-F5344CB8AC3E}">
-        <p14:creationId xmlns:p14="http://schemas.microsoft.com/office/powerpoint/2010/main" val="283680889"/>
+        <p14:creationId xmlns:p14="http://schemas.microsoft.com/office/powerpoint/2010/main" val="1863640231"/>
       </p:ext>
     </p:extLst>
   </p:cSld>
